--- a/figure/figs_for_exp.pptx
+++ b/figure/figs_for_exp.pptx
@@ -124,7 +124,7 @@
 </file>
 
 <file path=ppt/charts/chart1.xml><?xml version="1.0" encoding="utf-8"?>
-<c:chartSpace xmlns:c="http://schemas.openxmlformats.org/drawingml/2006/chart" xmlns:a="http://schemas.openxmlformats.org/drawingml/2006/main" xmlns:r="http://schemas.openxmlformats.org/officeDocument/2006/relationships">
+<c:chartSpace xmlns:c="http://schemas.openxmlformats.org/drawingml/2006/chart" xmlns:a="http://schemas.openxmlformats.org/drawingml/2006/main" xmlns:r="http://schemas.openxmlformats.org/officeDocument/2006/relationships" xmlns:c16r2="http://schemas.microsoft.com/office/drawing/2015/06/chart">
   <c:date1904 val="0"/>
   <c:lang val="ko-KR"/>
   <c:roundedCorners val="0"/>
@@ -219,7 +219,7 @@
               <c:extLst/>
             </c:numRef>
           </c:val>
-          <c:extLst xmlns:c16r2="http://schemas.microsoft.com/office/drawing/2015/06/chart">
+          <c:extLst>
             <c:ext xmlns:c16="http://schemas.microsoft.com/office/drawing/2014/chart" uri="{C3380CC4-5D6E-409C-BE32-E72D297353CC}">
               <c16:uniqueId val="{00000000-9EAB-4148-ADEA-06CF7EC240C0}"/>
             </c:ext>
@@ -290,7 +290,7 @@
               <c:extLst/>
             </c:numRef>
           </c:val>
-          <c:extLst xmlns:c16r2="http://schemas.microsoft.com/office/drawing/2015/06/chart">
+          <c:extLst>
             <c:ext xmlns:c16="http://schemas.microsoft.com/office/drawing/2014/chart" uri="{C3380CC4-5D6E-409C-BE32-E72D297353CC}">
               <c16:uniqueId val="{00000001-9EAB-4148-ADEA-06CF7EC240C0}"/>
             </c:ext>
@@ -369,7 +369,7 @@
               <c:extLst/>
             </c:numRef>
           </c:val>
-          <c:extLst xmlns:c16r2="http://schemas.microsoft.com/office/drawing/2015/06/chart">
+          <c:extLst>
             <c:ext xmlns:c16="http://schemas.microsoft.com/office/drawing/2014/chart" uri="{C3380CC4-5D6E-409C-BE32-E72D297353CC}">
               <c16:uniqueId val="{00000002-9EAB-4148-ADEA-06CF7EC240C0}"/>
             </c:ext>
@@ -438,7 +438,7 @@
               <c:extLst/>
             </c:numRef>
           </c:val>
-          <c:extLst xmlns:c16r2="http://schemas.microsoft.com/office/drawing/2015/06/chart">
+          <c:extLst>
             <c:ext xmlns:c16="http://schemas.microsoft.com/office/drawing/2014/chart" uri="{C3380CC4-5D6E-409C-BE32-E72D297353CC}">
               <c16:uniqueId val="{00000003-9EAB-4148-ADEA-06CF7EC240C0}"/>
             </c:ext>
@@ -679,7 +679,7 @@
 </file>
 
 <file path=ppt/charts/chart10.xml><?xml version="1.0" encoding="utf-8"?>
-<c:chartSpace xmlns:c="http://schemas.openxmlformats.org/drawingml/2006/chart" xmlns:a="http://schemas.openxmlformats.org/drawingml/2006/main" xmlns:r="http://schemas.openxmlformats.org/officeDocument/2006/relationships">
+<c:chartSpace xmlns:c="http://schemas.openxmlformats.org/drawingml/2006/chart" xmlns:a="http://schemas.openxmlformats.org/drawingml/2006/main" xmlns:r="http://schemas.openxmlformats.org/officeDocument/2006/relationships" xmlns:c16r2="http://schemas.microsoft.com/office/drawing/2015/06/chart">
   <c:date1904 val="0"/>
   <c:lang val="ko-KR"/>
   <c:roundedCorners val="0"/>
@@ -908,7 +908,7 @@
               </c:numCache>
             </c:numRef>
           </c:val>
-          <c:extLst xmlns:c16r2="http://schemas.microsoft.com/office/drawing/2015/06/chart">
+          <c:extLst>
             <c:ext xmlns:c16="http://schemas.microsoft.com/office/drawing/2014/chart" uri="{C3380CC4-5D6E-409C-BE32-E72D297353CC}">
               <c16:uniqueId val="{00000000-4975-4EBC-BA42-7E64D883DFEC}"/>
             </c:ext>
@@ -1115,7 +1115,7 @@
               </c:numCache>
             </c:numRef>
           </c:val>
-          <c:extLst xmlns:c16r2="http://schemas.microsoft.com/office/drawing/2015/06/chart">
+          <c:extLst>
             <c:ext xmlns:c16="http://schemas.microsoft.com/office/drawing/2014/chart" uri="{C3380CC4-5D6E-409C-BE32-E72D297353CC}">
               <c16:uniqueId val="{00000001-4975-4EBC-BA42-7E64D883DFEC}"/>
             </c:ext>
@@ -1322,7 +1322,7 @@
               </c:numCache>
             </c:numRef>
           </c:val>
-          <c:extLst xmlns:c16r2="http://schemas.microsoft.com/office/drawing/2015/06/chart">
+          <c:extLst>
             <c:ext xmlns:c16="http://schemas.microsoft.com/office/drawing/2014/chart" uri="{C3380CC4-5D6E-409C-BE32-E72D297353CC}">
               <c16:uniqueId val="{00000002-4975-4EBC-BA42-7E64D883DFEC}"/>
             </c:ext>
@@ -1531,7 +1531,7 @@
 </file>
 
 <file path=ppt/charts/chart11.xml><?xml version="1.0" encoding="utf-8"?>
-<c:chartSpace xmlns:c="http://schemas.openxmlformats.org/drawingml/2006/chart" xmlns:a="http://schemas.openxmlformats.org/drawingml/2006/main" xmlns:r="http://schemas.openxmlformats.org/officeDocument/2006/relationships">
+<c:chartSpace xmlns:c="http://schemas.openxmlformats.org/drawingml/2006/chart" xmlns:a="http://schemas.openxmlformats.org/drawingml/2006/main" xmlns:r="http://schemas.openxmlformats.org/officeDocument/2006/relationships" xmlns:c16r2="http://schemas.microsoft.com/office/drawing/2015/06/chart">
   <c:date1904 val="0"/>
   <c:lang val="ko-KR"/>
   <c:roundedCorners val="0"/>
@@ -1626,7 +1626,7 @@
               <c:extLst/>
             </c:numRef>
           </c:val>
-          <c:extLst xmlns:c16r2="http://schemas.microsoft.com/office/drawing/2015/06/chart">
+          <c:extLst>
             <c:ext xmlns:c16="http://schemas.microsoft.com/office/drawing/2014/chart" uri="{C3380CC4-5D6E-409C-BE32-E72D297353CC}">
               <c16:uniqueId val="{00000000-A8F8-4364-B50E-CC9A82DE76F3}"/>
             </c:ext>
@@ -1697,7 +1697,7 @@
               <c:extLst/>
             </c:numRef>
           </c:val>
-          <c:extLst xmlns:c16r2="http://schemas.microsoft.com/office/drawing/2015/06/chart">
+          <c:extLst>
             <c:ext xmlns:c16="http://schemas.microsoft.com/office/drawing/2014/chart" uri="{C3380CC4-5D6E-409C-BE32-E72D297353CC}">
               <c16:uniqueId val="{00000001-A8F8-4364-B50E-CC9A82DE76F3}"/>
             </c:ext>
@@ -1776,7 +1776,7 @@
               <c:extLst/>
             </c:numRef>
           </c:val>
-          <c:extLst xmlns:c16r2="http://schemas.microsoft.com/office/drawing/2015/06/chart">
+          <c:extLst>
             <c:ext xmlns:c16="http://schemas.microsoft.com/office/drawing/2014/chart" uri="{C3380CC4-5D6E-409C-BE32-E72D297353CC}">
               <c16:uniqueId val="{00000002-A8F8-4364-B50E-CC9A82DE76F3}"/>
             </c:ext>
@@ -1855,7 +1855,7 @@
               <c:extLst/>
             </c:numRef>
           </c:val>
-          <c:extLst xmlns:c16r2="http://schemas.microsoft.com/office/drawing/2015/06/chart">
+          <c:extLst>
             <c:ext xmlns:c16="http://schemas.microsoft.com/office/drawing/2014/chart" uri="{C3380CC4-5D6E-409C-BE32-E72D297353CC}">
               <c16:uniqueId val="{00000003-A8F8-4364-B50E-CC9A82DE76F3}"/>
             </c:ext>
@@ -1924,7 +1924,7 @@
               <c:extLst/>
             </c:numRef>
           </c:val>
-          <c:extLst xmlns:c16r2="http://schemas.microsoft.com/office/drawing/2015/06/chart">
+          <c:extLst>
             <c:ext xmlns:c16="http://schemas.microsoft.com/office/drawing/2014/chart" uri="{C3380CC4-5D6E-409C-BE32-E72D297353CC}">
               <c16:uniqueId val="{00000004-A8F8-4364-B50E-CC9A82DE76F3}"/>
             </c:ext>
@@ -2166,7 +2166,7 @@
 </file>
 
 <file path=ppt/charts/chart12.xml><?xml version="1.0" encoding="utf-8"?>
-<c:chartSpace xmlns:c="http://schemas.openxmlformats.org/drawingml/2006/chart" xmlns:a="http://schemas.openxmlformats.org/drawingml/2006/main" xmlns:r="http://schemas.openxmlformats.org/officeDocument/2006/relationships">
+<c:chartSpace xmlns:c="http://schemas.openxmlformats.org/drawingml/2006/chart" xmlns:a="http://schemas.openxmlformats.org/drawingml/2006/main" xmlns:r="http://schemas.openxmlformats.org/officeDocument/2006/relationships" xmlns:c16r2="http://schemas.microsoft.com/office/drawing/2015/06/chart">
   <c:date1904 val="0"/>
   <c:lang val="ko-KR"/>
   <c:roundedCorners val="0"/>
@@ -2261,7 +2261,7 @@
               <c:extLst/>
             </c:numRef>
           </c:val>
-          <c:extLst xmlns:c16r2="http://schemas.microsoft.com/office/drawing/2015/06/chart">
+          <c:extLst>
             <c:ext xmlns:c16="http://schemas.microsoft.com/office/drawing/2014/chart" uri="{C3380CC4-5D6E-409C-BE32-E72D297353CC}">
               <c16:uniqueId val="{00000000-9EAB-4148-ADEA-06CF7EC240C0}"/>
             </c:ext>
@@ -2332,7 +2332,7 @@
               <c:extLst/>
             </c:numRef>
           </c:val>
-          <c:extLst xmlns:c16r2="http://schemas.microsoft.com/office/drawing/2015/06/chart">
+          <c:extLst>
             <c:ext xmlns:c16="http://schemas.microsoft.com/office/drawing/2014/chart" uri="{C3380CC4-5D6E-409C-BE32-E72D297353CC}">
               <c16:uniqueId val="{00000001-9EAB-4148-ADEA-06CF7EC240C0}"/>
             </c:ext>
@@ -2411,7 +2411,7 @@
               <c:extLst/>
             </c:numRef>
           </c:val>
-          <c:extLst xmlns:c16r2="http://schemas.microsoft.com/office/drawing/2015/06/chart">
+          <c:extLst>
             <c:ext xmlns:c16="http://schemas.microsoft.com/office/drawing/2014/chart" uri="{C3380CC4-5D6E-409C-BE32-E72D297353CC}">
               <c16:uniqueId val="{00000002-9EAB-4148-ADEA-06CF7EC240C0}"/>
             </c:ext>
@@ -2480,7 +2480,7 @@
               <c:extLst/>
             </c:numRef>
           </c:val>
-          <c:extLst xmlns:c16r2="http://schemas.microsoft.com/office/drawing/2015/06/chart">
+          <c:extLst>
             <c:ext xmlns:c16="http://schemas.microsoft.com/office/drawing/2014/chart" uri="{C3380CC4-5D6E-409C-BE32-E72D297353CC}">
               <c16:uniqueId val="{00000003-9EAB-4148-ADEA-06CF7EC240C0}"/>
             </c:ext>
@@ -2720,7 +2720,7 @@
 </file>
 
 <file path=ppt/charts/chart13.xml><?xml version="1.0" encoding="utf-8"?>
-<c:chartSpace xmlns:c="http://schemas.openxmlformats.org/drawingml/2006/chart" xmlns:a="http://schemas.openxmlformats.org/drawingml/2006/main" xmlns:r="http://schemas.openxmlformats.org/officeDocument/2006/relationships">
+<c:chartSpace xmlns:c="http://schemas.openxmlformats.org/drawingml/2006/chart" xmlns:a="http://schemas.openxmlformats.org/drawingml/2006/main" xmlns:r="http://schemas.openxmlformats.org/officeDocument/2006/relationships" xmlns:c16r2="http://schemas.microsoft.com/office/drawing/2015/06/chart">
   <c:date1904 val="0"/>
   <c:lang val="ko-KR"/>
   <c:roundedCorners val="0"/>
@@ -2740,214 +2740,128 @@
           <c:layoutTarget val="inner"/>
           <c:xMode val="edge"/>
           <c:yMode val="edge"/>
-          <c:x val="0.1533399788805648"/>
-          <c:y val="5.0925925925925923E-2"/>
-          <c:w val="0.83187466419068556"/>
-          <c:h val="0.69340988626421707"/>
+          <c:x val="0.14984754901960784"/>
+          <c:y val="3.0764071157771945E-2"/>
+          <c:w val="0.84600212418300658"/>
+          <c:h val="0.73892825896762904"/>
         </c:manualLayout>
       </c:layout>
-      <c:lineChart>
-        <c:grouping val="standard"/>
+      <c:barChart>
+        <c:barDir val="col"/>
+        <c:grouping val="stacked"/>
         <c:varyColors val="0"/>
         <c:ser>
           <c:idx val="0"/>
           <c:order val="0"/>
           <c:tx>
             <c:strRef>
-              <c:f>Sheet1!$A$33</c:f>
+              <c:f>Sheet1!$A$39</c:f>
               <c:strCache>
                 <c:ptCount val="1"/>
                 <c:pt idx="0">
-                  <c:v>평균</c:v>
+                  <c:v>40p</c:v>
                 </c:pt>
               </c:strCache>
             </c:strRef>
           </c:tx>
           <c:spPr>
-            <a:ln w="28575" cap="rnd">
+            <a:noFill/>
+            <a:ln>
               <a:noFill/>
-              <a:round/>
             </a:ln>
             <a:effectLst/>
           </c:spPr>
-          <c:marker>
-            <c:symbol val="x"/>
-            <c:size val="3"/>
-            <c:spPr>
-              <a:solidFill>
-                <a:schemeClr val="tx1"/>
-              </a:solidFill>
-              <a:ln w="9525">
-                <a:solidFill>
-                  <a:schemeClr val="tx1"/>
-                </a:solidFill>
-              </a:ln>
-              <a:effectLst/>
-            </c:spPr>
-          </c:marker>
+          <c:invertIfNegative val="0"/>
           <c:errBars>
-            <c:errDir val="y"/>
-            <c:errBarType val="both"/>
+            <c:errBarType val="minus"/>
             <c:errValType val="cust"/>
             <c:noEndCap val="0"/>
             <c:plus>
+              <c:numLit>
+                <c:formatCode>General</c:formatCode>
+                <c:ptCount val="1"/>
+                <c:pt idx="0">
+                  <c:v>1</c:v>
+                </c:pt>
+              </c:numLit>
+            </c:plus>
+            <c:minus>
               <c:numRef>
-                <c:f>Sheet1!$B$32:$Y$32</c:f>
+                <c:f>Sheet1!$B$43:$Y$43</c:f>
                 <c:numCache>
                   <c:formatCode>General</c:formatCode>
                   <c:ptCount val="24"/>
                   <c:pt idx="0">
-                    <c:v>403552</c:v>
+                    <c:v>75998</c:v>
                   </c:pt>
                   <c:pt idx="1">
-                    <c:v>1294073.5</c:v>
+                    <c:v>165590.20000000001</c:v>
                   </c:pt>
                   <c:pt idx="2">
-                    <c:v>1834567</c:v>
+                    <c:v>186660.80000000005</c:v>
                   </c:pt>
                   <c:pt idx="3">
-                    <c:v>1555833</c:v>
+                    <c:v>219140</c:v>
                   </c:pt>
                   <c:pt idx="4">
-                    <c:v>29446.25</c:v>
+                    <c:v>5354.7000000000007</c:v>
                   </c:pt>
                   <c:pt idx="5">
-                    <c:v>158960</c:v>
+                    <c:v>51333</c:v>
                   </c:pt>
                   <c:pt idx="6">
-                    <c:v>475701</c:v>
+                    <c:v>69914</c:v>
                   </c:pt>
                   <c:pt idx="7">
-                    <c:v>1100571.25</c:v>
+                    <c:v>154208.5</c:v>
                   </c:pt>
                   <c:pt idx="8">
-                    <c:v>1552430</c:v>
+                    <c:v>203331.19999999995</c:v>
                   </c:pt>
                   <c:pt idx="9">
-                    <c:v>29454</c:v>
+                    <c:v>6188.35</c:v>
                   </c:pt>
                   <c:pt idx="10">
-                    <c:v>210596.5</c:v>
+                    <c:v>58194.05</c:v>
                   </c:pt>
                   <c:pt idx="11">
-                    <c:v>452863</c:v>
+                    <c:v>80949.599999999977</c:v>
                   </c:pt>
                   <c:pt idx="12">
-                    <c:v>601345</c:v>
+                    <c:v>59046.900000000023</c:v>
                   </c:pt>
                   <c:pt idx="13">
-                    <c:v>881574</c:v>
+                    <c:v>105028.40000000002</c:v>
                   </c:pt>
                   <c:pt idx="14">
-                    <c:v>4687308.75</c:v>
+                    <c:v>303475.75</c:v>
                   </c:pt>
                   <c:pt idx="15">
-                    <c:v>4750365.5</c:v>
+                    <c:v>447470.5</c:v>
                   </c:pt>
                   <c:pt idx="16">
-                    <c:v>33681.5</c:v>
+                    <c:v>8520.2000000000007</c:v>
                   </c:pt>
                   <c:pt idx="17">
-                    <c:v>277012.75</c:v>
+                    <c:v>32380</c:v>
                   </c:pt>
                   <c:pt idx="18">
-                    <c:v>425675</c:v>
+                    <c:v>42010.25</c:v>
                   </c:pt>
                   <c:pt idx="19">
-                    <c:v>548992.5</c:v>
+                    <c:v>88944.75</c:v>
                   </c:pt>
                   <c:pt idx="20">
-                    <c:v>588331</c:v>
+                    <c:v>100219.5</c:v>
                   </c:pt>
                   <c:pt idx="21">
-                    <c:v>598063</c:v>
+                    <c:v>69714.099999999977</c:v>
                   </c:pt>
                   <c:pt idx="22">
-                    <c:v>1219124</c:v>
+                    <c:v>212067.80000000005</c:v>
                   </c:pt>
                   <c:pt idx="23">
-                    <c:v>5301491</c:v>
-                  </c:pt>
-                </c:numCache>
-              </c:numRef>
-            </c:plus>
-            <c:minus>
-              <c:numRef>
-                <c:f>Sheet1!$B$34:$Y$34</c:f>
-                <c:numCache>
-                  <c:formatCode>General</c:formatCode>
-                  <c:ptCount val="24"/>
-                  <c:pt idx="0">
-                    <c:v>79886</c:v>
-                  </c:pt>
-                  <c:pt idx="1">
-                    <c:v>291652</c:v>
-                  </c:pt>
-                  <c:pt idx="2">
-                    <c:v>253578</c:v>
-                  </c:pt>
-                  <c:pt idx="3">
-                    <c:v>349735</c:v>
-                  </c:pt>
-                  <c:pt idx="4">
-                    <c:v>8639.5</c:v>
-                  </c:pt>
-                  <c:pt idx="5">
-                    <c:v>7738</c:v>
-                  </c:pt>
-                  <c:pt idx="6">
-                    <c:v>252501</c:v>
-                  </c:pt>
-                  <c:pt idx="7">
-                    <c:v>245238.5</c:v>
-                  </c:pt>
-                  <c:pt idx="8">
-                    <c:v>423367</c:v>
-                  </c:pt>
-                  <c:pt idx="9">
-                    <c:v>9465.25</c:v>
-                  </c:pt>
-                  <c:pt idx="10">
-                    <c:v>8546.75</c:v>
-                  </c:pt>
-                  <c:pt idx="11">
-                    <c:v>269052.5</c:v>
-                  </c:pt>
-                  <c:pt idx="12">
-                    <c:v>199930</c:v>
-                  </c:pt>
-                  <c:pt idx="13">
-                    <c:v>310073</c:v>
-                  </c:pt>
-                  <c:pt idx="14">
-                    <c:v>914345.25</c:v>
-                  </c:pt>
-                  <c:pt idx="15">
-                    <c:v>682350.5</c:v>
-                  </c:pt>
-                  <c:pt idx="16">
-                    <c:v>10550</c:v>
-                  </c:pt>
-                  <c:pt idx="17">
-                    <c:v>126378.75</c:v>
-                  </c:pt>
-                  <c:pt idx="18">
-                    <c:v>176191</c:v>
-                  </c:pt>
-                  <c:pt idx="19">
-                    <c:v>318203.5</c:v>
-                  </c:pt>
-                  <c:pt idx="20">
-                    <c:v>265775.25</c:v>
-                  </c:pt>
-                  <c:pt idx="21">
-                    <c:v>283775.5</c:v>
-                  </c:pt>
-                  <c:pt idx="22">
-                    <c:v>537399</c:v>
-                  </c:pt>
-                  <c:pt idx="23">
-                    <c:v>2941409</c:v>
+                    <c:v>822047.20000000019</c:v>
                   </c:pt>
                 </c:numCache>
               </c:numRef>
@@ -2968,7 +2882,7 @@
           </c:errBars>
           <c:cat>
             <c:multiLvlStrRef>
-              <c:f>Sheet1!$B$30:$Y$31</c:f>
+              <c:f>Sheet1!$B$37:$Y$38</c:f>
               <c:multiLvlStrCache>
                 <c:ptCount val="24"/>
                 <c:lvl>
@@ -3064,89 +2978,618 @@
           </c:cat>
           <c:val>
             <c:numRef>
-              <c:f>Sheet1!$B$33:$Y$33</c:f>
+              <c:f>Sheet1!$B$39:$Y$39</c:f>
               <c:numCache>
                 <c:formatCode>General</c:formatCode>
                 <c:ptCount val="24"/>
                 <c:pt idx="0">
-                  <c:v>359744.11236810603</c:v>
+                  <c:v>155884</c:v>
                 </c:pt>
                 <c:pt idx="1">
-                  <c:v>1319691.69583328</c:v>
+                  <c:v>457242.2</c:v>
                 </c:pt>
                 <c:pt idx="2">
-                  <c:v>1282394.43264955</c:v>
+                  <c:v>536395.80000000005</c:v>
                 </c:pt>
                 <c:pt idx="3">
-                  <c:v>1474154.43264955</c:v>
+                  <c:v>558321</c:v>
                 </c:pt>
                 <c:pt idx="4">
-                  <c:v>20604.3867538839</c:v>
+                  <c:v>13994.2</c:v>
                 </c:pt>
                 <c:pt idx="5">
-                  <c:v>100989.05145797601</c:v>
+                  <c:v>59071</c:v>
                 </c:pt>
                 <c:pt idx="6">
-                  <c:v>368908.374100719</c:v>
+                  <c:v>322415</c:v>
                 </c:pt>
                 <c:pt idx="7">
-                  <c:v>1225142.1994181101</c:v>
+                  <c:v>399447</c:v>
                 </c:pt>
                 <c:pt idx="8">
-                  <c:v>1485663.3317170499</c:v>
+                  <c:v>626698.19999999995</c:v>
                 </c:pt>
                 <c:pt idx="9">
-                  <c:v>20772.969291832</c:v>
+                  <c:v>15653.6</c:v>
                 </c:pt>
                 <c:pt idx="10">
-                  <c:v>126750.379591837</c:v>
+                  <c:v>66740.800000000003</c:v>
                 </c:pt>
                 <c:pt idx="11">
-                  <c:v>365337.890337602</c:v>
+                  <c:v>280879.59999999998</c:v>
                 </c:pt>
                 <c:pt idx="12">
-                  <c:v>562256.88136008603</c:v>
+                  <c:v>328099.40000000002</c:v>
                 </c:pt>
                 <c:pt idx="13">
-                  <c:v>863099.21035263699</c:v>
+                  <c:v>415101.4</c:v>
                 </c:pt>
                 <c:pt idx="14">
-                  <c:v>2697713.3199147098</c:v>
+                  <c:v>1217821</c:v>
                 </c:pt>
                 <c:pt idx="15">
-                  <c:v>2774971.3847808898</c:v>
+                  <c:v>1129821</c:v>
                 </c:pt>
                 <c:pt idx="16">
-                  <c:v>23938.127448507799</c:v>
+                  <c:v>19070.2</c:v>
                 </c:pt>
                 <c:pt idx="17">
-                  <c:v>214029.80025324499</c:v>
+                  <c:v>172671</c:v>
                 </c:pt>
                 <c:pt idx="18">
-                  <c:v>281619</c:v>
+                  <c:v>168389</c:v>
                 </c:pt>
                 <c:pt idx="19">
-                  <c:v>438628.341468714</c:v>
+                  <c:v>354720</c:v>
                 </c:pt>
                 <c:pt idx="20">
-                  <c:v>447549.870313166</c:v>
+                  <c:v>383995</c:v>
                 </c:pt>
                 <c:pt idx="21">
-                  <c:v>491957.51859099802</c:v>
+                  <c:v>387917.6</c:v>
                 </c:pt>
                 <c:pt idx="22">
-                  <c:v>1050375.8210235599</c:v>
+                  <c:v>749466.8</c:v>
                 </c:pt>
                 <c:pt idx="23">
-                  <c:v>4058493.9897378101</c:v>
+                  <c:v>3763456.2</c:v>
                 </c:pt>
               </c:numCache>
             </c:numRef>
           </c:val>
-          <c:smooth val="0"/>
-          <c:extLst xmlns:c16r2="http://schemas.microsoft.com/office/drawing/2015/06/chart">
+          <c:extLst>
             <c:ext xmlns:c16="http://schemas.microsoft.com/office/drawing/2014/chart" uri="{C3380CC4-5D6E-409C-BE32-E72D297353CC}">
-              <c16:uniqueId val="{00000000-DE5E-4285-94F6-FD61D3C97223}"/>
+              <c16:uniqueId val="{00000000-C3DB-42FD-BAA9-161F69619C66}"/>
+            </c:ext>
+          </c:extLst>
+        </c:ser>
+        <c:ser>
+          <c:idx val="1"/>
+          <c:order val="1"/>
+          <c:tx>
+            <c:strRef>
+              <c:f>Sheet1!$A$40</c:f>
+              <c:strCache>
+                <c:ptCount val="1"/>
+                <c:pt idx="0">
+                  <c:v>중간</c:v>
+                </c:pt>
+              </c:strCache>
+            </c:strRef>
+          </c:tx>
+          <c:spPr>
+            <a:solidFill>
+              <a:schemeClr val="bg1">
+                <a:lumMod val="65000"/>
+              </a:schemeClr>
+            </a:solidFill>
+            <a:ln w="19050">
+              <a:solidFill>
+                <a:sysClr val="windowText" lastClr="000000"/>
+              </a:solidFill>
+            </a:ln>
+            <a:effectLst/>
+          </c:spPr>
+          <c:invertIfNegative val="0"/>
+          <c:cat>
+            <c:multiLvlStrRef>
+              <c:f>Sheet1!$B$37:$Y$38</c:f>
+              <c:multiLvlStrCache>
+                <c:ptCount val="24"/>
+                <c:lvl>
+                  <c:pt idx="0">
+                    <c:v>0</c:v>
+                  </c:pt>
+                  <c:pt idx="1">
+                    <c:v>1</c:v>
+                  </c:pt>
+                  <c:pt idx="2">
+                    <c:v>2</c:v>
+                  </c:pt>
+                  <c:pt idx="3">
+                    <c:v>3</c:v>
+                  </c:pt>
+                  <c:pt idx="4">
+                    <c:v>0</c:v>
+                  </c:pt>
+                  <c:pt idx="5">
+                    <c:v>1</c:v>
+                  </c:pt>
+                  <c:pt idx="6">
+                    <c:v>2</c:v>
+                  </c:pt>
+                  <c:pt idx="7">
+                    <c:v>3</c:v>
+                  </c:pt>
+                  <c:pt idx="8">
+                    <c:v>4</c:v>
+                  </c:pt>
+                  <c:pt idx="9">
+                    <c:v>0</c:v>
+                  </c:pt>
+                  <c:pt idx="10">
+                    <c:v>1</c:v>
+                  </c:pt>
+                  <c:pt idx="11">
+                    <c:v>2</c:v>
+                  </c:pt>
+                  <c:pt idx="12">
+                    <c:v>3</c:v>
+                  </c:pt>
+                  <c:pt idx="13">
+                    <c:v>4</c:v>
+                  </c:pt>
+                  <c:pt idx="14">
+                    <c:v>5</c:v>
+                  </c:pt>
+                  <c:pt idx="15">
+                    <c:v>6</c:v>
+                  </c:pt>
+                  <c:pt idx="16">
+                    <c:v>0</c:v>
+                  </c:pt>
+                  <c:pt idx="17">
+                    <c:v>1</c:v>
+                  </c:pt>
+                  <c:pt idx="18">
+                    <c:v>2</c:v>
+                  </c:pt>
+                  <c:pt idx="19">
+                    <c:v>3</c:v>
+                  </c:pt>
+                  <c:pt idx="20">
+                    <c:v>4</c:v>
+                  </c:pt>
+                  <c:pt idx="21">
+                    <c:v>5</c:v>
+                  </c:pt>
+                  <c:pt idx="22">
+                    <c:v>6</c:v>
+                  </c:pt>
+                  <c:pt idx="23">
+                    <c:v>7</c:v>
+                  </c:pt>
+                </c:lvl>
+                <c:lvl>
+                  <c:pt idx="0">
+                    <c:v>AutoStream</c:v>
+                  </c:pt>
+                  <c:pt idx="4">
+                    <c:v>PCStream*</c:v>
+                  </c:pt>
+                  <c:pt idx="9">
+                    <c:v>PCStream</c:v>
+                  </c:pt>
+                  <c:pt idx="16">
+                    <c:v>Manual</c:v>
+                  </c:pt>
+                </c:lvl>
+              </c:multiLvlStrCache>
+            </c:multiLvlStrRef>
+          </c:cat>
+          <c:val>
+            <c:numRef>
+              <c:f>Sheet1!$B$40:$Y$40</c:f>
+              <c:numCache>
+                <c:formatCode>General</c:formatCode>
+                <c:ptCount val="24"/>
+                <c:pt idx="0">
+                  <c:v>76110</c:v>
+                </c:pt>
+                <c:pt idx="1">
+                  <c:v>140414.79999999999</c:v>
+                </c:pt>
+                <c:pt idx="2">
+                  <c:v>158118.19999999995</c:v>
+                </c:pt>
+                <c:pt idx="3">
+                  <c:v>222713</c:v>
+                </c:pt>
+                <c:pt idx="4">
+                  <c:v>4962.2999999999993</c:v>
+                </c:pt>
+                <c:pt idx="5">
+                  <c:v>9793</c:v>
+                </c:pt>
+                <c:pt idx="6">
+                  <c:v>60440</c:v>
+                </c:pt>
+                <c:pt idx="7">
+                  <c:v>119835.5</c:v>
+                </c:pt>
+                <c:pt idx="8">
+                  <c:v>153071.80000000005</c:v>
+                </c:pt>
+                <c:pt idx="9">
+                  <c:v>3993.3999999999996</c:v>
+                </c:pt>
+                <c:pt idx="10">
+                  <c:v>92324.7</c:v>
+                </c:pt>
+                <c:pt idx="11">
+                  <c:v>71786.400000000023</c:v>
+                </c:pt>
+                <c:pt idx="12">
+                  <c:v>35899.599999999977</c:v>
+                </c:pt>
+                <c:pt idx="13">
+                  <c:v>94337.599999999977</c:v>
+                </c:pt>
+                <c:pt idx="14">
+                  <c:v>248137.5</c:v>
+                </c:pt>
+                <c:pt idx="15">
+                  <c:v>718919</c:v>
+                </c:pt>
+                <c:pt idx="16">
+                  <c:v>4172.7999999999993</c:v>
+                </c:pt>
+                <c:pt idx="17">
+                  <c:v>10044</c:v>
+                </c:pt>
+                <c:pt idx="18">
+                  <c:v>25094</c:v>
+                </c:pt>
+                <c:pt idx="19">
+                  <c:v>63086</c:v>
+                </c:pt>
+                <c:pt idx="20">
+                  <c:v>45965</c:v>
+                </c:pt>
+                <c:pt idx="21">
+                  <c:v>42328.400000000023</c:v>
+                </c:pt>
+                <c:pt idx="22">
+                  <c:v>117949.19999999995</c:v>
+                </c:pt>
+                <c:pt idx="23">
+                  <c:v>436685.79999999981</c:v>
+                </c:pt>
+              </c:numCache>
+            </c:numRef>
+          </c:val>
+          <c:extLst>
+            <c:ext xmlns:c16="http://schemas.microsoft.com/office/drawing/2014/chart" uri="{C3380CC4-5D6E-409C-BE32-E72D297353CC}">
+              <c16:uniqueId val="{00000001-C3DB-42FD-BAA9-161F69619C66}"/>
+            </c:ext>
+          </c:extLst>
+        </c:ser>
+        <c:ser>
+          <c:idx val="2"/>
+          <c:order val="2"/>
+          <c:tx>
+            <c:strRef>
+              <c:f>Sheet1!$A$41</c:f>
+              <c:strCache>
+                <c:ptCount val="1"/>
+                <c:pt idx="0">
+                  <c:v>60p</c:v>
+                </c:pt>
+              </c:strCache>
+            </c:strRef>
+          </c:tx>
+          <c:spPr>
+            <a:solidFill>
+              <a:schemeClr val="bg1">
+                <a:lumMod val="65000"/>
+              </a:schemeClr>
+            </a:solidFill>
+            <a:ln w="19050">
+              <a:solidFill>
+                <a:schemeClr val="tx1"/>
+              </a:solidFill>
+            </a:ln>
+            <a:effectLst/>
+          </c:spPr>
+          <c:invertIfNegative val="0"/>
+          <c:errBars>
+            <c:errBarType val="plus"/>
+            <c:errValType val="cust"/>
+            <c:noEndCap val="0"/>
+            <c:plus>
+              <c:numRef>
+                <c:f>Sheet1!$B$42:$Y$42</c:f>
+                <c:numCache>
+                  <c:formatCode>General</c:formatCode>
+                  <c:ptCount val="24"/>
+                  <c:pt idx="0">
+                    <c:v>113999.20000000001</c:v>
+                  </c:pt>
+                  <c:pt idx="1">
+                    <c:v>502190.9</c:v>
+                  </c:pt>
+                  <c:pt idx="2">
+                    <c:v>604525.6</c:v>
+                  </c:pt>
+                  <c:pt idx="3">
+                    <c:v>665145</c:v>
+                  </c:pt>
+                  <c:pt idx="4">
+                    <c:v>6342.0499999999993</c:v>
+                  </c:pt>
+                  <c:pt idx="5">
+                    <c:v>42724.2</c:v>
+                  </c:pt>
+                  <c:pt idx="6">
+                    <c:v>63083.599999999977</c:v>
+                  </c:pt>
+                  <c:pt idx="7">
+                    <c:v>409932.25</c:v>
+                  </c:pt>
+                  <c:pt idx="8">
+                    <c:v>554189.99999999895</c:v>
+                  </c:pt>
+                  <c:pt idx="9">
+                    <c:v>6317.5999999999985</c:v>
+                  </c:pt>
+                  <c:pt idx="10">
+                    <c:v>26884.5</c:v>
+                  </c:pt>
+                  <c:pt idx="11">
+                    <c:v>169731.20000000001</c:v>
+                  </c:pt>
+                  <c:pt idx="12">
+                    <c:v>58991.200000000012</c:v>
+                  </c:pt>
+                  <c:pt idx="13">
+                    <c:v>241563.80000000005</c:v>
+                  </c:pt>
+                  <c:pt idx="14">
+                    <c:v>2234203.75</c:v>
+                  </c:pt>
+                  <c:pt idx="15">
+                    <c:v>1298561.5</c:v>
+                  </c:pt>
+                  <c:pt idx="16">
+                    <c:v>6616.7000000000007</c:v>
+                  </c:pt>
+                  <c:pt idx="17">
+                    <c:v>43115</c:v>
+                  </c:pt>
+                  <c:pt idx="18">
+                    <c:v>54496.75</c:v>
+                  </c:pt>
+                  <c:pt idx="19">
+                    <c:v>104085</c:v>
+                  </c:pt>
+                  <c:pt idx="20">
+                    <c:v>108721.59999999998</c:v>
+                  </c:pt>
+                  <c:pt idx="21">
+                    <c:v>76932.900000000023</c:v>
+                  </c:pt>
+                  <c:pt idx="22">
+                    <c:v>208785.80000000005</c:v>
+                  </c:pt>
+                  <c:pt idx="23">
+                    <c:v>541770.40000000037</c:v>
+                  </c:pt>
+                </c:numCache>
+              </c:numRef>
+            </c:plus>
+            <c:minus>
+              <c:numLit>
+                <c:formatCode>General</c:formatCode>
+                <c:ptCount val="1"/>
+                <c:pt idx="0">
+                  <c:v>1</c:v>
+                </c:pt>
+              </c:numLit>
+            </c:minus>
+            <c:spPr>
+              <a:noFill/>
+              <a:ln w="9525" cap="flat" cmpd="sng" algn="ctr">
+                <a:solidFill>
+                  <a:schemeClr val="tx1">
+                    <a:lumMod val="65000"/>
+                    <a:lumOff val="35000"/>
+                  </a:schemeClr>
+                </a:solidFill>
+                <a:round/>
+              </a:ln>
+              <a:effectLst/>
+            </c:spPr>
+          </c:errBars>
+          <c:cat>
+            <c:multiLvlStrRef>
+              <c:f>Sheet1!$B$37:$Y$38</c:f>
+              <c:multiLvlStrCache>
+                <c:ptCount val="24"/>
+                <c:lvl>
+                  <c:pt idx="0">
+                    <c:v>0</c:v>
+                  </c:pt>
+                  <c:pt idx="1">
+                    <c:v>1</c:v>
+                  </c:pt>
+                  <c:pt idx="2">
+                    <c:v>2</c:v>
+                  </c:pt>
+                  <c:pt idx="3">
+                    <c:v>3</c:v>
+                  </c:pt>
+                  <c:pt idx="4">
+                    <c:v>0</c:v>
+                  </c:pt>
+                  <c:pt idx="5">
+                    <c:v>1</c:v>
+                  </c:pt>
+                  <c:pt idx="6">
+                    <c:v>2</c:v>
+                  </c:pt>
+                  <c:pt idx="7">
+                    <c:v>3</c:v>
+                  </c:pt>
+                  <c:pt idx="8">
+                    <c:v>4</c:v>
+                  </c:pt>
+                  <c:pt idx="9">
+                    <c:v>0</c:v>
+                  </c:pt>
+                  <c:pt idx="10">
+                    <c:v>1</c:v>
+                  </c:pt>
+                  <c:pt idx="11">
+                    <c:v>2</c:v>
+                  </c:pt>
+                  <c:pt idx="12">
+                    <c:v>3</c:v>
+                  </c:pt>
+                  <c:pt idx="13">
+                    <c:v>4</c:v>
+                  </c:pt>
+                  <c:pt idx="14">
+                    <c:v>5</c:v>
+                  </c:pt>
+                  <c:pt idx="15">
+                    <c:v>6</c:v>
+                  </c:pt>
+                  <c:pt idx="16">
+                    <c:v>0</c:v>
+                  </c:pt>
+                  <c:pt idx="17">
+                    <c:v>1</c:v>
+                  </c:pt>
+                  <c:pt idx="18">
+                    <c:v>2</c:v>
+                  </c:pt>
+                  <c:pt idx="19">
+                    <c:v>3</c:v>
+                  </c:pt>
+                  <c:pt idx="20">
+                    <c:v>4</c:v>
+                  </c:pt>
+                  <c:pt idx="21">
+                    <c:v>5</c:v>
+                  </c:pt>
+                  <c:pt idx="22">
+                    <c:v>6</c:v>
+                  </c:pt>
+                  <c:pt idx="23">
+                    <c:v>7</c:v>
+                  </c:pt>
+                </c:lvl>
+                <c:lvl>
+                  <c:pt idx="0">
+                    <c:v>AutoStream</c:v>
+                  </c:pt>
+                  <c:pt idx="4">
+                    <c:v>PCStream*</c:v>
+                  </c:pt>
+                  <c:pt idx="9">
+                    <c:v>PCStream</c:v>
+                  </c:pt>
+                  <c:pt idx="16">
+                    <c:v>Manual</c:v>
+                  </c:pt>
+                </c:lvl>
+              </c:multiLvlStrCache>
+            </c:multiLvlStrRef>
+          </c:cat>
+          <c:val>
+            <c:numRef>
+              <c:f>Sheet1!$B$41:$Y$41</c:f>
+              <c:numCache>
+                <c:formatCode>General</c:formatCode>
+                <c:ptCount val="24"/>
+                <c:pt idx="0">
+                  <c:v>57558.799999999988</c:v>
+                </c:pt>
+                <c:pt idx="1">
+                  <c:v>194225.59999999998</c:v>
+                </c:pt>
+                <c:pt idx="2">
+                  <c:v>256793.40000000002</c:v>
+                </c:pt>
+                <c:pt idx="3">
+                  <c:v>248353</c:v>
+                </c:pt>
+                <c:pt idx="4">
+                  <c:v>4147.7000000000007</c:v>
+                </c:pt>
+                <c:pt idx="5">
+                  <c:v>47371.8</c:v>
+                </c:pt>
+                <c:pt idx="6">
+                  <c:v>29762.400000000023</c:v>
+                </c:pt>
+                <c:pt idx="7">
+                  <c:v>171356.5</c:v>
+                </c:pt>
+                <c:pt idx="8">
+                  <c:v>218470.00000000105</c:v>
+                </c:pt>
+                <c:pt idx="9">
+                  <c:v>3489.4000000000015</c:v>
+                </c:pt>
+                <c:pt idx="10">
+                  <c:v>24646.5</c:v>
+                </c:pt>
+                <c:pt idx="11">
+                  <c:v>78947.799999999988</c:v>
+                </c:pt>
+                <c:pt idx="12">
+                  <c:v>29872.799999999988</c:v>
+                </c:pt>
+                <c:pt idx="13">
+                  <c:v>130571.19999999995</c:v>
+                </c:pt>
+                <c:pt idx="14">
+                  <c:v>987146.5</c:v>
+                </c:pt>
+                <c:pt idx="15">
+                  <c:v>1603064</c:v>
+                </c:pt>
+                <c:pt idx="16">
+                  <c:v>3821.7999999999993</c:v>
+                </c:pt>
+                <c:pt idx="17">
+                  <c:v>29108</c:v>
+                </c:pt>
+                <c:pt idx="18">
+                  <c:v>29033</c:v>
+                </c:pt>
+                <c:pt idx="19">
+                  <c:v>66440</c:v>
+                </c:pt>
+                <c:pt idx="20">
+                  <c:v>59381.400000000023</c:v>
+                </c:pt>
+                <c:pt idx="21">
+                  <c:v>41813.599999999977</c:v>
+                </c:pt>
+                <c:pt idx="22">
+                  <c:v>142922.19999999995</c:v>
+                </c:pt>
+                <c:pt idx="23">
+                  <c:v>559578.59999999963</c:v>
+                </c:pt>
+              </c:numCache>
+            </c:numRef>
+          </c:val>
+          <c:extLst>
+            <c:ext xmlns:c16="http://schemas.microsoft.com/office/drawing/2014/chart" uri="{C3380CC4-5D6E-409C-BE32-E72D297353CC}">
+              <c16:uniqueId val="{00000002-C3DB-42FD-BAA9-161F69619C66}"/>
             </c:ext>
           </c:extLst>
         </c:ser>
@@ -3158,13 +3601,13 @@
           <c:showPercent val="0"/>
           <c:showBubbleSize val="0"/>
         </c:dLbls>
-        <c:marker val="1"/>
-        <c:smooth val="0"/>
-        <c:axId val="-1409789072"/>
-        <c:axId val="-1409792880"/>
-      </c:lineChart>
+        <c:gapWidth val="40"/>
+        <c:overlap val="100"/>
+        <c:axId val="1137221352"/>
+        <c:axId val="1137218400"/>
+      </c:barChart>
       <c:catAx>
-        <c:axId val="-1409789072"/>
+        <c:axId val="1137221352"/>
         <c:scaling>
           <c:orientation val="minMax"/>
         </c:scaling>
@@ -3201,7 +3644,7 @@
             <a:endParaRPr lang="ko-KR"/>
           </a:p>
         </c:txPr>
-        <c:crossAx val="-1409792880"/>
+        <c:crossAx val="1137218400"/>
         <c:crosses val="autoZero"/>
         <c:auto val="1"/>
         <c:lblAlgn val="ctr"/>
@@ -3209,10 +3652,9 @@
         <c:noMultiLvlLbl val="0"/>
       </c:catAx>
       <c:valAx>
-        <c:axId val="-1409792880"/>
+        <c:axId val="1137218400"/>
         <c:scaling>
           <c:orientation val="minMax"/>
-          <c:min val="0"/>
         </c:scaling>
         <c:delete val="0"/>
         <c:axPos val="l"/>
@@ -3233,10 +3675,10 @@
                   </a:defRPr>
                 </a:pPr>
                 <a:r>
-                  <a:rPr lang="en-US" sz="1600" b="0"/>
+                  <a:rPr lang="en-US" sz="1600"/>
                   <a:t>Lifetime (# of writes)</a:t>
                 </a:r>
-                <a:endParaRPr lang="ko-KR" sz="1600" b="0"/>
+                <a:endParaRPr lang="ko-KR" sz="1600"/>
               </a:p>
             </c:rich>
           </c:tx>
@@ -3244,8 +3686,8 @@
             <c:manualLayout>
               <c:xMode val="edge"/>
               <c:yMode val="edge"/>
-              <c:x val="9.7385620915032677E-3"/>
-              <c:y val="0.14700605132691746"/>
+              <c:x val="9.1127450980392159E-3"/>
+              <c:y val="6.7681175269757948E-2"/>
             </c:manualLayout>
           </c:layout>
           <c:overlay val="0"/>
@@ -3304,15 +3746,16 @@
             <a:endParaRPr lang="ko-KR"/>
           </a:p>
         </c:txPr>
-        <c:crossAx val="-1409789072"/>
+        <c:crossAx val="1137221352"/>
         <c:crosses val="autoZero"/>
         <c:crossBetween val="between"/>
-        <c:majorUnit val="2000000"/>
       </c:valAx>
       <c:spPr>
         <a:noFill/>
         <a:ln>
-          <a:noFill/>
+          <a:solidFill>
+            <a:schemeClr val="tx1"/>
+          </a:solidFill>
         </a:ln>
         <a:effectLst/>
       </c:spPr>
@@ -3322,7 +3765,9 @@
     <c:showDLblsOverMax val="0"/>
   </c:chart>
   <c:spPr>
-    <a:noFill/>
+    <a:solidFill>
+      <a:schemeClr val="bg1"/>
+    </a:solidFill>
     <a:ln w="9525" cap="flat" cmpd="sng" algn="ctr">
       <a:noFill/>
       <a:round/>
@@ -3334,7 +3779,7 @@
     <a:lstStyle/>
     <a:p>
       <a:pPr>
-        <a:defRPr sz="1050">
+        <a:defRPr>
           <a:solidFill>
             <a:schemeClr val="tx1"/>
           </a:solidFill>
@@ -3352,7 +3797,7 @@
 </file>
 
 <file path=ppt/charts/chart14.xml><?xml version="1.0" encoding="utf-8"?>
-<c:chartSpace xmlns:c="http://schemas.openxmlformats.org/drawingml/2006/chart" xmlns:a="http://schemas.openxmlformats.org/drawingml/2006/main" xmlns:r="http://schemas.openxmlformats.org/officeDocument/2006/relationships">
+<c:chartSpace xmlns:c="http://schemas.openxmlformats.org/drawingml/2006/chart" xmlns:a="http://schemas.openxmlformats.org/drawingml/2006/main" xmlns:r="http://schemas.openxmlformats.org/officeDocument/2006/relationships" xmlns:c16r2="http://schemas.microsoft.com/office/drawing/2015/06/chart">
   <c:date1904 val="0"/>
   <c:lang val="ko-KR"/>
   <c:roundedCorners val="0"/>
@@ -3447,7 +3892,7 @@
               <c:extLst/>
             </c:numRef>
           </c:val>
-          <c:extLst xmlns:c16r2="http://schemas.microsoft.com/office/drawing/2015/06/chart">
+          <c:extLst>
             <c:ext xmlns:c16="http://schemas.microsoft.com/office/drawing/2014/chart" uri="{C3380CC4-5D6E-409C-BE32-E72D297353CC}">
               <c16:uniqueId val="{00000000-9EAB-4148-ADEA-06CF7EC240C0}"/>
             </c:ext>
@@ -3518,7 +3963,7 @@
               <c:extLst/>
             </c:numRef>
           </c:val>
-          <c:extLst xmlns:c16r2="http://schemas.microsoft.com/office/drawing/2015/06/chart">
+          <c:extLst>
             <c:ext xmlns:c16="http://schemas.microsoft.com/office/drawing/2014/chart" uri="{C3380CC4-5D6E-409C-BE32-E72D297353CC}">
               <c16:uniqueId val="{00000001-9EAB-4148-ADEA-06CF7EC240C0}"/>
             </c:ext>
@@ -3597,7 +4042,7 @@
               <c:extLst/>
             </c:numRef>
           </c:val>
-          <c:extLst xmlns:c16r2="http://schemas.microsoft.com/office/drawing/2015/06/chart">
+          <c:extLst>
             <c:ext xmlns:c16="http://schemas.microsoft.com/office/drawing/2014/chart" uri="{C3380CC4-5D6E-409C-BE32-E72D297353CC}">
               <c16:uniqueId val="{00000002-9EAB-4148-ADEA-06CF7EC240C0}"/>
             </c:ext>
@@ -3666,7 +4111,7 @@
               <c:extLst/>
             </c:numRef>
           </c:val>
-          <c:extLst xmlns:c16r2="http://schemas.microsoft.com/office/drawing/2015/06/chart">
+          <c:extLst>
             <c:ext xmlns:c16="http://schemas.microsoft.com/office/drawing/2014/chart" uri="{C3380CC4-5D6E-409C-BE32-E72D297353CC}">
               <c16:uniqueId val="{00000003-9EAB-4148-ADEA-06CF7EC240C0}"/>
             </c:ext>
@@ -3907,7 +4352,7 @@
 </file>
 
 <file path=ppt/charts/chart15.xml><?xml version="1.0" encoding="utf-8"?>
-<c:chartSpace xmlns:c="http://schemas.openxmlformats.org/drawingml/2006/chart" xmlns:a="http://schemas.openxmlformats.org/drawingml/2006/main" xmlns:r="http://schemas.openxmlformats.org/officeDocument/2006/relationships">
+<c:chartSpace xmlns:c="http://schemas.openxmlformats.org/drawingml/2006/chart" xmlns:a="http://schemas.openxmlformats.org/drawingml/2006/main" xmlns:r="http://schemas.openxmlformats.org/officeDocument/2006/relationships" xmlns:c16r2="http://schemas.microsoft.com/office/drawing/2015/06/chart">
   <c:date1904 val="0"/>
   <c:lang val="ko-KR"/>
   <c:roundedCorners val="0"/>
@@ -4002,7 +4447,7 @@
               <c:extLst/>
             </c:numRef>
           </c:val>
-          <c:extLst xmlns:c16r2="http://schemas.microsoft.com/office/drawing/2015/06/chart">
+          <c:extLst>
             <c:ext xmlns:c16="http://schemas.microsoft.com/office/drawing/2014/chart" uri="{C3380CC4-5D6E-409C-BE32-E72D297353CC}">
               <c16:uniqueId val="{00000000-A8F8-4364-B50E-CC9A82DE76F3}"/>
             </c:ext>
@@ -4073,7 +4518,7 @@
               <c:extLst/>
             </c:numRef>
           </c:val>
-          <c:extLst xmlns:c16r2="http://schemas.microsoft.com/office/drawing/2015/06/chart">
+          <c:extLst>
             <c:ext xmlns:c16="http://schemas.microsoft.com/office/drawing/2014/chart" uri="{C3380CC4-5D6E-409C-BE32-E72D297353CC}">
               <c16:uniqueId val="{00000001-A8F8-4364-B50E-CC9A82DE76F3}"/>
             </c:ext>
@@ -4152,7 +4597,7 @@
               <c:extLst/>
             </c:numRef>
           </c:val>
-          <c:extLst xmlns:c16r2="http://schemas.microsoft.com/office/drawing/2015/06/chart">
+          <c:extLst>
             <c:ext xmlns:c16="http://schemas.microsoft.com/office/drawing/2014/chart" uri="{C3380CC4-5D6E-409C-BE32-E72D297353CC}">
               <c16:uniqueId val="{00000002-A8F8-4364-B50E-CC9A82DE76F3}"/>
             </c:ext>
@@ -4231,7 +4676,7 @@
               <c:extLst/>
             </c:numRef>
           </c:val>
-          <c:extLst xmlns:c16r2="http://schemas.microsoft.com/office/drawing/2015/06/chart">
+          <c:extLst>
             <c:ext xmlns:c16="http://schemas.microsoft.com/office/drawing/2014/chart" uri="{C3380CC4-5D6E-409C-BE32-E72D297353CC}">
               <c16:uniqueId val="{00000003-A8F8-4364-B50E-CC9A82DE76F3}"/>
             </c:ext>
@@ -4300,7 +4745,7 @@
               <c:extLst/>
             </c:numRef>
           </c:val>
-          <c:extLst xmlns:c16r2="http://schemas.microsoft.com/office/drawing/2015/06/chart">
+          <c:extLst>
             <c:ext xmlns:c16="http://schemas.microsoft.com/office/drawing/2014/chart" uri="{C3380CC4-5D6E-409C-BE32-E72D297353CC}">
               <c16:uniqueId val="{00000004-A8F8-4364-B50E-CC9A82DE76F3}"/>
             </c:ext>
@@ -4542,7 +4987,7 @@
 </file>
 
 <file path=ppt/charts/chart16.xml><?xml version="1.0" encoding="utf-8"?>
-<c:chartSpace xmlns:c="http://schemas.openxmlformats.org/drawingml/2006/chart" xmlns:a="http://schemas.openxmlformats.org/drawingml/2006/main" xmlns:r="http://schemas.openxmlformats.org/officeDocument/2006/relationships">
+<c:chartSpace xmlns:c="http://schemas.openxmlformats.org/drawingml/2006/chart" xmlns:a="http://schemas.openxmlformats.org/drawingml/2006/main" xmlns:r="http://schemas.openxmlformats.org/officeDocument/2006/relationships" xmlns:c16r2="http://schemas.microsoft.com/office/drawing/2015/06/chart">
   <c:date1904 val="0"/>
   <c:lang val="ko-KR"/>
   <c:roundedCorners val="0"/>
@@ -4637,7 +5082,7 @@
               <c:extLst/>
             </c:numRef>
           </c:val>
-          <c:extLst xmlns:c16r2="http://schemas.microsoft.com/office/drawing/2015/06/chart">
+          <c:extLst>
             <c:ext xmlns:c16="http://schemas.microsoft.com/office/drawing/2014/chart" uri="{C3380CC4-5D6E-409C-BE32-E72D297353CC}">
               <c16:uniqueId val="{00000000-9EAB-4148-ADEA-06CF7EC240C0}"/>
             </c:ext>
@@ -4708,7 +5153,7 @@
               <c:extLst/>
             </c:numRef>
           </c:val>
-          <c:extLst xmlns:c16r2="http://schemas.microsoft.com/office/drawing/2015/06/chart">
+          <c:extLst>
             <c:ext xmlns:c16="http://schemas.microsoft.com/office/drawing/2014/chart" uri="{C3380CC4-5D6E-409C-BE32-E72D297353CC}">
               <c16:uniqueId val="{00000001-9EAB-4148-ADEA-06CF7EC240C0}"/>
             </c:ext>
@@ -4787,7 +5232,7 @@
               <c:extLst/>
             </c:numRef>
           </c:val>
-          <c:extLst xmlns:c16r2="http://schemas.microsoft.com/office/drawing/2015/06/chart">
+          <c:extLst>
             <c:ext xmlns:c16="http://schemas.microsoft.com/office/drawing/2014/chart" uri="{C3380CC4-5D6E-409C-BE32-E72D297353CC}">
               <c16:uniqueId val="{00000002-9EAB-4148-ADEA-06CF7EC240C0}"/>
             </c:ext>
@@ -4856,7 +5301,7 @@
               <c:extLst/>
             </c:numRef>
           </c:val>
-          <c:extLst xmlns:c16r2="http://schemas.microsoft.com/office/drawing/2015/06/chart">
+          <c:extLst>
             <c:ext xmlns:c16="http://schemas.microsoft.com/office/drawing/2014/chart" uri="{C3380CC4-5D6E-409C-BE32-E72D297353CC}">
               <c16:uniqueId val="{00000003-9EAB-4148-ADEA-06CF7EC240C0}"/>
             </c:ext>
@@ -5096,7 +5541,7 @@
 </file>
 
 <file path=ppt/charts/chart17.xml><?xml version="1.0" encoding="utf-8"?>
-<c:chartSpace xmlns:c="http://schemas.openxmlformats.org/drawingml/2006/chart" xmlns:a="http://schemas.openxmlformats.org/drawingml/2006/main" xmlns:r="http://schemas.openxmlformats.org/officeDocument/2006/relationships">
+<c:chartSpace xmlns:c="http://schemas.openxmlformats.org/drawingml/2006/chart" xmlns:a="http://schemas.openxmlformats.org/drawingml/2006/main" xmlns:r="http://schemas.openxmlformats.org/officeDocument/2006/relationships" xmlns:c16r2="http://schemas.microsoft.com/office/drawing/2015/06/chart">
   <c:date1904 val="0"/>
   <c:lang val="ko-KR"/>
   <c:roundedCorners val="0"/>
@@ -5191,7 +5636,7 @@
               <c:extLst/>
             </c:numRef>
           </c:val>
-          <c:extLst xmlns:c16r2="http://schemas.microsoft.com/office/drawing/2015/06/chart">
+          <c:extLst>
             <c:ext xmlns:c16="http://schemas.microsoft.com/office/drawing/2014/chart" uri="{C3380CC4-5D6E-409C-BE32-E72D297353CC}">
               <c16:uniqueId val="{00000000-A8F8-4364-B50E-CC9A82DE76F3}"/>
             </c:ext>
@@ -5262,7 +5707,7 @@
               <c:extLst/>
             </c:numRef>
           </c:val>
-          <c:extLst xmlns:c16r2="http://schemas.microsoft.com/office/drawing/2015/06/chart">
+          <c:extLst>
             <c:ext xmlns:c16="http://schemas.microsoft.com/office/drawing/2014/chart" uri="{C3380CC4-5D6E-409C-BE32-E72D297353CC}">
               <c16:uniqueId val="{00000001-A8F8-4364-B50E-CC9A82DE76F3}"/>
             </c:ext>
@@ -5341,7 +5786,7 @@
               <c:extLst/>
             </c:numRef>
           </c:val>
-          <c:extLst xmlns:c16r2="http://schemas.microsoft.com/office/drawing/2015/06/chart">
+          <c:extLst>
             <c:ext xmlns:c16="http://schemas.microsoft.com/office/drawing/2014/chart" uri="{C3380CC4-5D6E-409C-BE32-E72D297353CC}">
               <c16:uniqueId val="{00000002-A8F8-4364-B50E-CC9A82DE76F3}"/>
             </c:ext>
@@ -5420,7 +5865,7 @@
               <c:extLst/>
             </c:numRef>
           </c:val>
-          <c:extLst xmlns:c16r2="http://schemas.microsoft.com/office/drawing/2015/06/chart">
+          <c:extLst>
             <c:ext xmlns:c16="http://schemas.microsoft.com/office/drawing/2014/chart" uri="{C3380CC4-5D6E-409C-BE32-E72D297353CC}">
               <c16:uniqueId val="{00000003-A8F8-4364-B50E-CC9A82DE76F3}"/>
             </c:ext>
@@ -5489,7 +5934,7 @@
               <c:extLst/>
             </c:numRef>
           </c:val>
-          <c:extLst xmlns:c16r2="http://schemas.microsoft.com/office/drawing/2015/06/chart">
+          <c:extLst>
             <c:ext xmlns:c16="http://schemas.microsoft.com/office/drawing/2014/chart" uri="{C3380CC4-5D6E-409C-BE32-E72D297353CC}">
               <c16:uniqueId val="{00000004-A8F8-4364-B50E-CC9A82DE76F3}"/>
             </c:ext>
@@ -5731,7 +6176,7 @@
 </file>
 
 <file path=ppt/charts/chart18.xml><?xml version="1.0" encoding="utf-8"?>
-<c:chartSpace xmlns:c="http://schemas.openxmlformats.org/drawingml/2006/chart" xmlns:a="http://schemas.openxmlformats.org/drawingml/2006/main" xmlns:r="http://schemas.openxmlformats.org/officeDocument/2006/relationships">
+<c:chartSpace xmlns:c="http://schemas.openxmlformats.org/drawingml/2006/chart" xmlns:a="http://schemas.openxmlformats.org/drawingml/2006/main" xmlns:r="http://schemas.openxmlformats.org/officeDocument/2006/relationships" xmlns:c16r2="http://schemas.microsoft.com/office/drawing/2015/06/chart">
   <c:date1904 val="0"/>
   <c:lang val="ko-KR"/>
   <c:roundedCorners val="0"/>
@@ -5826,7 +6271,7 @@
               <c:extLst/>
             </c:numRef>
           </c:val>
-          <c:extLst xmlns:c16r2="http://schemas.microsoft.com/office/drawing/2015/06/chart">
+          <c:extLst>
             <c:ext xmlns:c16="http://schemas.microsoft.com/office/drawing/2014/chart" uri="{C3380CC4-5D6E-409C-BE32-E72D297353CC}">
               <c16:uniqueId val="{00000000-9EAB-4148-ADEA-06CF7EC240C0}"/>
             </c:ext>
@@ -5897,7 +6342,7 @@
               <c:extLst/>
             </c:numRef>
           </c:val>
-          <c:extLst xmlns:c16r2="http://schemas.microsoft.com/office/drawing/2015/06/chart">
+          <c:extLst>
             <c:ext xmlns:c16="http://schemas.microsoft.com/office/drawing/2014/chart" uri="{C3380CC4-5D6E-409C-BE32-E72D297353CC}">
               <c16:uniqueId val="{00000001-9EAB-4148-ADEA-06CF7EC240C0}"/>
             </c:ext>
@@ -5976,7 +6421,7 @@
               <c:extLst/>
             </c:numRef>
           </c:val>
-          <c:extLst xmlns:c16r2="http://schemas.microsoft.com/office/drawing/2015/06/chart">
+          <c:extLst>
             <c:ext xmlns:c16="http://schemas.microsoft.com/office/drawing/2014/chart" uri="{C3380CC4-5D6E-409C-BE32-E72D297353CC}">
               <c16:uniqueId val="{00000002-9EAB-4148-ADEA-06CF7EC240C0}"/>
             </c:ext>
@@ -6045,7 +6490,7 @@
               <c:extLst/>
             </c:numRef>
           </c:val>
-          <c:extLst xmlns:c16r2="http://schemas.microsoft.com/office/drawing/2015/06/chart">
+          <c:extLst>
             <c:ext xmlns:c16="http://schemas.microsoft.com/office/drawing/2014/chart" uri="{C3380CC4-5D6E-409C-BE32-E72D297353CC}">
               <c16:uniqueId val="{00000003-9EAB-4148-ADEA-06CF7EC240C0}"/>
             </c:ext>
@@ -6285,7 +6730,7 @@
 </file>
 
 <file path=ppt/charts/chart19.xml><?xml version="1.0" encoding="utf-8"?>
-<c:chartSpace xmlns:c="http://schemas.openxmlformats.org/drawingml/2006/chart" xmlns:a="http://schemas.openxmlformats.org/drawingml/2006/main" xmlns:r="http://schemas.openxmlformats.org/officeDocument/2006/relationships">
+<c:chartSpace xmlns:c="http://schemas.openxmlformats.org/drawingml/2006/chart" xmlns:a="http://schemas.openxmlformats.org/drawingml/2006/main" xmlns:r="http://schemas.openxmlformats.org/officeDocument/2006/relationships" xmlns:c16r2="http://schemas.microsoft.com/office/drawing/2015/06/chart">
   <c:date1904 val="0"/>
   <c:lang val="ko-KR"/>
   <c:roundedCorners val="0"/>
@@ -6380,7 +6825,7 @@
               <c:extLst/>
             </c:numRef>
           </c:val>
-          <c:extLst xmlns:c16r2="http://schemas.microsoft.com/office/drawing/2015/06/chart">
+          <c:extLst>
             <c:ext xmlns:c16="http://schemas.microsoft.com/office/drawing/2014/chart" uri="{C3380CC4-5D6E-409C-BE32-E72D297353CC}">
               <c16:uniqueId val="{00000000-A8F8-4364-B50E-CC9A82DE76F3}"/>
             </c:ext>
@@ -6451,7 +6896,7 @@
               <c:extLst/>
             </c:numRef>
           </c:val>
-          <c:extLst xmlns:c16r2="http://schemas.microsoft.com/office/drawing/2015/06/chart">
+          <c:extLst>
             <c:ext xmlns:c16="http://schemas.microsoft.com/office/drawing/2014/chart" uri="{C3380CC4-5D6E-409C-BE32-E72D297353CC}">
               <c16:uniqueId val="{00000001-A8F8-4364-B50E-CC9A82DE76F3}"/>
             </c:ext>
@@ -6530,7 +6975,7 @@
               <c:extLst/>
             </c:numRef>
           </c:val>
-          <c:extLst xmlns:c16r2="http://schemas.microsoft.com/office/drawing/2015/06/chart">
+          <c:extLst>
             <c:ext xmlns:c16="http://schemas.microsoft.com/office/drawing/2014/chart" uri="{C3380CC4-5D6E-409C-BE32-E72D297353CC}">
               <c16:uniqueId val="{00000002-A8F8-4364-B50E-CC9A82DE76F3}"/>
             </c:ext>
@@ -6609,7 +7054,7 @@
               <c:extLst/>
             </c:numRef>
           </c:val>
-          <c:extLst xmlns:c16r2="http://schemas.microsoft.com/office/drawing/2015/06/chart">
+          <c:extLst>
             <c:ext xmlns:c16="http://schemas.microsoft.com/office/drawing/2014/chart" uri="{C3380CC4-5D6E-409C-BE32-E72D297353CC}">
               <c16:uniqueId val="{00000003-A8F8-4364-B50E-CC9A82DE76F3}"/>
             </c:ext>
@@ -6678,7 +7123,7 @@
               <c:extLst/>
             </c:numRef>
           </c:val>
-          <c:extLst xmlns:c16r2="http://schemas.microsoft.com/office/drawing/2015/06/chart">
+          <c:extLst>
             <c:ext xmlns:c16="http://schemas.microsoft.com/office/drawing/2014/chart" uri="{C3380CC4-5D6E-409C-BE32-E72D297353CC}">
               <c16:uniqueId val="{00000004-A8F8-4364-B50E-CC9A82DE76F3}"/>
             </c:ext>
@@ -6920,7 +7365,7 @@
 </file>
 
 <file path=ppt/charts/chart2.xml><?xml version="1.0" encoding="utf-8"?>
-<c:chartSpace xmlns:c="http://schemas.openxmlformats.org/drawingml/2006/chart" xmlns:a="http://schemas.openxmlformats.org/drawingml/2006/main" xmlns:r="http://schemas.openxmlformats.org/officeDocument/2006/relationships">
+<c:chartSpace xmlns:c="http://schemas.openxmlformats.org/drawingml/2006/chart" xmlns:a="http://schemas.openxmlformats.org/drawingml/2006/main" xmlns:r="http://schemas.openxmlformats.org/officeDocument/2006/relationships" xmlns:c16r2="http://schemas.microsoft.com/office/drawing/2015/06/chart">
   <c:date1904 val="0"/>
   <c:lang val="ko-KR"/>
   <c:roundedCorners val="0"/>
@@ -7344,7 +7789,7 @@
             </c:numRef>
           </c:val>
           <c:smooth val="0"/>
-          <c:extLst xmlns:c16r2="http://schemas.microsoft.com/office/drawing/2015/06/chart">
+          <c:extLst>
             <c:ext xmlns:c16="http://schemas.microsoft.com/office/drawing/2014/chart" uri="{C3380CC4-5D6E-409C-BE32-E72D297353CC}">
               <c16:uniqueId val="{00000000-DE5E-4285-94F6-FD61D3C97223}"/>
             </c:ext>
@@ -7553,7 +7998,7 @@
 </file>
 
 <file path=ppt/charts/chart20.xml><?xml version="1.0" encoding="utf-8"?>
-<c:chartSpace xmlns:c="http://schemas.openxmlformats.org/drawingml/2006/chart" xmlns:a="http://schemas.openxmlformats.org/drawingml/2006/main" xmlns:r="http://schemas.openxmlformats.org/officeDocument/2006/relationships">
+<c:chartSpace xmlns:c="http://schemas.openxmlformats.org/drawingml/2006/chart" xmlns:a="http://schemas.openxmlformats.org/drawingml/2006/main" xmlns:r="http://schemas.openxmlformats.org/officeDocument/2006/relationships" xmlns:c16r2="http://schemas.microsoft.com/office/drawing/2015/06/chart">
   <c:date1904 val="0"/>
   <c:lang val="ko-KR"/>
   <c:roundedCorners val="0"/>
@@ -7977,7 +8422,7 @@
             </c:numRef>
           </c:val>
           <c:smooth val="0"/>
-          <c:extLst xmlns:c16r2="http://schemas.microsoft.com/office/drawing/2015/06/chart">
+          <c:extLst>
             <c:ext xmlns:c16="http://schemas.microsoft.com/office/drawing/2014/chart" uri="{C3380CC4-5D6E-409C-BE32-E72D297353CC}">
               <c16:uniqueId val="{00000000-DE5E-4285-94F6-FD61D3C97223}"/>
             </c:ext>
@@ -8185,7 +8630,7 @@
 </file>
 
 <file path=ppt/charts/chart21.xml><?xml version="1.0" encoding="utf-8"?>
-<c:chartSpace xmlns:c="http://schemas.openxmlformats.org/drawingml/2006/chart" xmlns:a="http://schemas.openxmlformats.org/drawingml/2006/main" xmlns:r="http://schemas.openxmlformats.org/officeDocument/2006/relationships">
+<c:chartSpace xmlns:c="http://schemas.openxmlformats.org/drawingml/2006/chart" xmlns:a="http://schemas.openxmlformats.org/drawingml/2006/main" xmlns:r="http://schemas.openxmlformats.org/officeDocument/2006/relationships" xmlns:c16r2="http://schemas.microsoft.com/office/drawing/2015/06/chart">
   <c:date1904 val="0"/>
   <c:lang val="ko-KR"/>
   <c:roundedCorners val="0"/>
@@ -8609,7 +9054,7 @@
             </c:numRef>
           </c:val>
           <c:smooth val="0"/>
-          <c:extLst xmlns:c16r2="http://schemas.microsoft.com/office/drawing/2015/06/chart">
+          <c:extLst>
             <c:ext xmlns:c16="http://schemas.microsoft.com/office/drawing/2014/chart" uri="{C3380CC4-5D6E-409C-BE32-E72D297353CC}">
               <c16:uniqueId val="{00000000-DE5E-4285-94F6-FD61D3C97223}"/>
             </c:ext>
@@ -8818,7 +9263,7 @@
 </file>
 
 <file path=ppt/charts/chart3.xml><?xml version="1.0" encoding="utf-8"?>
-<c:chartSpace xmlns:c="http://schemas.openxmlformats.org/drawingml/2006/chart" xmlns:a="http://schemas.openxmlformats.org/drawingml/2006/main" xmlns:r="http://schemas.openxmlformats.org/officeDocument/2006/relationships">
+<c:chartSpace xmlns:c="http://schemas.openxmlformats.org/drawingml/2006/chart" xmlns:a="http://schemas.openxmlformats.org/drawingml/2006/main" xmlns:r="http://schemas.openxmlformats.org/officeDocument/2006/relationships" xmlns:c16r2="http://schemas.microsoft.com/office/drawing/2015/06/chart">
   <c:date1904 val="0"/>
   <c:lang val="ko-KR"/>
   <c:roundedCorners val="0"/>
@@ -8913,7 +9358,7 @@
               <c:extLst/>
             </c:numRef>
           </c:val>
-          <c:extLst xmlns:c16r2="http://schemas.microsoft.com/office/drawing/2015/06/chart">
+          <c:extLst>
             <c:ext xmlns:c16="http://schemas.microsoft.com/office/drawing/2014/chart" uri="{C3380CC4-5D6E-409C-BE32-E72D297353CC}">
               <c16:uniqueId val="{00000000-A8F8-4364-B50E-CC9A82DE76F3}"/>
             </c:ext>
@@ -8984,7 +9429,7 @@
               <c:extLst/>
             </c:numRef>
           </c:val>
-          <c:extLst xmlns:c16r2="http://schemas.microsoft.com/office/drawing/2015/06/chart">
+          <c:extLst>
             <c:ext xmlns:c16="http://schemas.microsoft.com/office/drawing/2014/chart" uri="{C3380CC4-5D6E-409C-BE32-E72D297353CC}">
               <c16:uniqueId val="{00000001-A8F8-4364-B50E-CC9A82DE76F3}"/>
             </c:ext>
@@ -9063,7 +9508,7 @@
               <c:extLst/>
             </c:numRef>
           </c:val>
-          <c:extLst xmlns:c16r2="http://schemas.microsoft.com/office/drawing/2015/06/chart">
+          <c:extLst>
             <c:ext xmlns:c16="http://schemas.microsoft.com/office/drawing/2014/chart" uri="{C3380CC4-5D6E-409C-BE32-E72D297353CC}">
               <c16:uniqueId val="{00000002-A8F8-4364-B50E-CC9A82DE76F3}"/>
             </c:ext>
@@ -9142,7 +9587,7 @@
               <c:extLst/>
             </c:numRef>
           </c:val>
-          <c:extLst xmlns:c16r2="http://schemas.microsoft.com/office/drawing/2015/06/chart">
+          <c:extLst>
             <c:ext xmlns:c16="http://schemas.microsoft.com/office/drawing/2014/chart" uri="{C3380CC4-5D6E-409C-BE32-E72D297353CC}">
               <c16:uniqueId val="{00000003-A8F8-4364-B50E-CC9A82DE76F3}"/>
             </c:ext>
@@ -9211,7 +9656,7 @@
               <c:extLst/>
             </c:numRef>
           </c:val>
-          <c:extLst xmlns:c16r2="http://schemas.microsoft.com/office/drawing/2015/06/chart">
+          <c:extLst>
             <c:ext xmlns:c16="http://schemas.microsoft.com/office/drawing/2014/chart" uri="{C3380CC4-5D6E-409C-BE32-E72D297353CC}">
               <c16:uniqueId val="{00000004-A8F8-4364-B50E-CC9A82DE76F3}"/>
             </c:ext>
@@ -9454,7 +9899,7 @@
 </file>
 
 <file path=ppt/charts/chart4.xml><?xml version="1.0" encoding="utf-8"?>
-<c:chartSpace xmlns:c="http://schemas.openxmlformats.org/drawingml/2006/chart" xmlns:a="http://schemas.openxmlformats.org/drawingml/2006/main" xmlns:r="http://schemas.openxmlformats.org/officeDocument/2006/relationships">
+<c:chartSpace xmlns:c="http://schemas.openxmlformats.org/drawingml/2006/chart" xmlns:a="http://schemas.openxmlformats.org/drawingml/2006/main" xmlns:r="http://schemas.openxmlformats.org/officeDocument/2006/relationships" xmlns:c16r2="http://schemas.microsoft.com/office/drawing/2015/06/chart">
   <c:date1904 val="0"/>
   <c:lang val="ko-KR"/>
   <c:roundedCorners val="0"/>
@@ -9549,7 +9994,7 @@
               <c:extLst/>
             </c:numRef>
           </c:val>
-          <c:extLst xmlns:c16r2="http://schemas.microsoft.com/office/drawing/2015/06/chart">
+          <c:extLst>
             <c:ext xmlns:c16="http://schemas.microsoft.com/office/drawing/2014/chart" uri="{C3380CC4-5D6E-409C-BE32-E72D297353CC}">
               <c16:uniqueId val="{00000000-9EAB-4148-ADEA-06CF7EC240C0}"/>
             </c:ext>
@@ -9620,7 +10065,7 @@
               <c:extLst/>
             </c:numRef>
           </c:val>
-          <c:extLst xmlns:c16r2="http://schemas.microsoft.com/office/drawing/2015/06/chart">
+          <c:extLst>
             <c:ext xmlns:c16="http://schemas.microsoft.com/office/drawing/2014/chart" uri="{C3380CC4-5D6E-409C-BE32-E72D297353CC}">
               <c16:uniqueId val="{00000001-9EAB-4148-ADEA-06CF7EC240C0}"/>
             </c:ext>
@@ -9699,7 +10144,7 @@
               <c:extLst/>
             </c:numRef>
           </c:val>
-          <c:extLst xmlns:c16r2="http://schemas.microsoft.com/office/drawing/2015/06/chart">
+          <c:extLst>
             <c:ext xmlns:c16="http://schemas.microsoft.com/office/drawing/2014/chart" uri="{C3380CC4-5D6E-409C-BE32-E72D297353CC}">
               <c16:uniqueId val="{00000002-9EAB-4148-ADEA-06CF7EC240C0}"/>
             </c:ext>
@@ -9768,7 +10213,7 @@
               <c:extLst/>
             </c:numRef>
           </c:val>
-          <c:extLst xmlns:c16r2="http://schemas.microsoft.com/office/drawing/2015/06/chart">
+          <c:extLst>
             <c:ext xmlns:c16="http://schemas.microsoft.com/office/drawing/2014/chart" uri="{C3380CC4-5D6E-409C-BE32-E72D297353CC}">
               <c16:uniqueId val="{00000003-9EAB-4148-ADEA-06CF7EC240C0}"/>
             </c:ext>
@@ -10009,7 +10454,7 @@
 </file>
 
 <file path=ppt/charts/chart5.xml><?xml version="1.0" encoding="utf-8"?>
-<c:chartSpace xmlns:c="http://schemas.openxmlformats.org/drawingml/2006/chart" xmlns:a="http://schemas.openxmlformats.org/drawingml/2006/main" xmlns:r="http://schemas.openxmlformats.org/officeDocument/2006/relationships">
+<c:chartSpace xmlns:c="http://schemas.openxmlformats.org/drawingml/2006/chart" xmlns:a="http://schemas.openxmlformats.org/drawingml/2006/main" xmlns:r="http://schemas.openxmlformats.org/officeDocument/2006/relationships" xmlns:c16r2="http://schemas.microsoft.com/office/drawing/2015/06/chart">
   <c:date1904 val="0"/>
   <c:lang val="ko-KR"/>
   <c:roundedCorners val="0"/>
@@ -10104,7 +10549,7 @@
               <c:extLst/>
             </c:numRef>
           </c:val>
-          <c:extLst xmlns:c16r2="http://schemas.microsoft.com/office/drawing/2015/06/chart">
+          <c:extLst>
             <c:ext xmlns:c16="http://schemas.microsoft.com/office/drawing/2014/chart" uri="{C3380CC4-5D6E-409C-BE32-E72D297353CC}">
               <c16:uniqueId val="{00000000-A8F8-4364-B50E-CC9A82DE76F3}"/>
             </c:ext>
@@ -10175,7 +10620,7 @@
               <c:extLst/>
             </c:numRef>
           </c:val>
-          <c:extLst xmlns:c16r2="http://schemas.microsoft.com/office/drawing/2015/06/chart">
+          <c:extLst>
             <c:ext xmlns:c16="http://schemas.microsoft.com/office/drawing/2014/chart" uri="{C3380CC4-5D6E-409C-BE32-E72D297353CC}">
               <c16:uniqueId val="{00000001-A8F8-4364-B50E-CC9A82DE76F3}"/>
             </c:ext>
@@ -10254,7 +10699,7 @@
               <c:extLst/>
             </c:numRef>
           </c:val>
-          <c:extLst xmlns:c16r2="http://schemas.microsoft.com/office/drawing/2015/06/chart">
+          <c:extLst>
             <c:ext xmlns:c16="http://schemas.microsoft.com/office/drawing/2014/chart" uri="{C3380CC4-5D6E-409C-BE32-E72D297353CC}">
               <c16:uniqueId val="{00000002-A8F8-4364-B50E-CC9A82DE76F3}"/>
             </c:ext>
@@ -10333,7 +10778,7 @@
               <c:extLst/>
             </c:numRef>
           </c:val>
-          <c:extLst xmlns:c16r2="http://schemas.microsoft.com/office/drawing/2015/06/chart">
+          <c:extLst>
             <c:ext xmlns:c16="http://schemas.microsoft.com/office/drawing/2014/chart" uri="{C3380CC4-5D6E-409C-BE32-E72D297353CC}">
               <c16:uniqueId val="{00000003-A8F8-4364-B50E-CC9A82DE76F3}"/>
             </c:ext>
@@ -10402,7 +10847,7 @@
               <c:extLst/>
             </c:numRef>
           </c:val>
-          <c:extLst xmlns:c16r2="http://schemas.microsoft.com/office/drawing/2015/06/chart">
+          <c:extLst>
             <c:ext xmlns:c16="http://schemas.microsoft.com/office/drawing/2014/chart" uri="{C3380CC4-5D6E-409C-BE32-E72D297353CC}">
               <c16:uniqueId val="{00000004-A8F8-4364-B50E-CC9A82DE76F3}"/>
             </c:ext>
@@ -10645,7 +11090,7 @@
 </file>
 
 <file path=ppt/charts/chart6.xml><?xml version="1.0" encoding="utf-8"?>
-<c:chartSpace xmlns:c="http://schemas.openxmlformats.org/drawingml/2006/chart" xmlns:a="http://schemas.openxmlformats.org/drawingml/2006/main" xmlns:r="http://schemas.openxmlformats.org/officeDocument/2006/relationships">
+<c:chartSpace xmlns:c="http://schemas.openxmlformats.org/drawingml/2006/chart" xmlns:a="http://schemas.openxmlformats.org/drawingml/2006/main" xmlns:r="http://schemas.openxmlformats.org/officeDocument/2006/relationships" xmlns:c16r2="http://schemas.microsoft.com/office/drawing/2015/06/chart">
   <c:date1904 val="0"/>
   <c:lang val="ko-KR"/>
   <c:roundedCorners val="0"/>
@@ -10740,7 +11185,7 @@
               <c:extLst/>
             </c:numRef>
           </c:val>
-          <c:extLst xmlns:c16r2="http://schemas.microsoft.com/office/drawing/2015/06/chart">
+          <c:extLst>
             <c:ext xmlns:c16="http://schemas.microsoft.com/office/drawing/2014/chart" uri="{C3380CC4-5D6E-409C-BE32-E72D297353CC}">
               <c16:uniqueId val="{00000000-9EAB-4148-ADEA-06CF7EC240C0}"/>
             </c:ext>
@@ -10811,7 +11256,7 @@
               <c:extLst/>
             </c:numRef>
           </c:val>
-          <c:extLst xmlns:c16r2="http://schemas.microsoft.com/office/drawing/2015/06/chart">
+          <c:extLst>
             <c:ext xmlns:c16="http://schemas.microsoft.com/office/drawing/2014/chart" uri="{C3380CC4-5D6E-409C-BE32-E72D297353CC}">
               <c16:uniqueId val="{00000001-9EAB-4148-ADEA-06CF7EC240C0}"/>
             </c:ext>
@@ -10890,7 +11335,7 @@
               <c:extLst/>
             </c:numRef>
           </c:val>
-          <c:extLst xmlns:c16r2="http://schemas.microsoft.com/office/drawing/2015/06/chart">
+          <c:extLst>
             <c:ext xmlns:c16="http://schemas.microsoft.com/office/drawing/2014/chart" uri="{C3380CC4-5D6E-409C-BE32-E72D297353CC}">
               <c16:uniqueId val="{00000002-9EAB-4148-ADEA-06CF7EC240C0}"/>
             </c:ext>
@@ -10959,7 +11404,7 @@
               <c:extLst/>
             </c:numRef>
           </c:val>
-          <c:extLst xmlns:c16r2="http://schemas.microsoft.com/office/drawing/2015/06/chart">
+          <c:extLst>
             <c:ext xmlns:c16="http://schemas.microsoft.com/office/drawing/2014/chart" uri="{C3380CC4-5D6E-409C-BE32-E72D297353CC}">
               <c16:uniqueId val="{00000003-9EAB-4148-ADEA-06CF7EC240C0}"/>
             </c:ext>
@@ -11200,7 +11645,7 @@
 </file>
 
 <file path=ppt/charts/chart7.xml><?xml version="1.0" encoding="utf-8"?>
-<c:chartSpace xmlns:c="http://schemas.openxmlformats.org/drawingml/2006/chart" xmlns:a="http://schemas.openxmlformats.org/drawingml/2006/main" xmlns:r="http://schemas.openxmlformats.org/officeDocument/2006/relationships">
+<c:chartSpace xmlns:c="http://schemas.openxmlformats.org/drawingml/2006/chart" xmlns:a="http://schemas.openxmlformats.org/drawingml/2006/main" xmlns:r="http://schemas.openxmlformats.org/officeDocument/2006/relationships" xmlns:c16r2="http://schemas.microsoft.com/office/drawing/2015/06/chart">
   <c:date1904 val="0"/>
   <c:lang val="ko-KR"/>
   <c:roundedCorners val="0"/>
@@ -11624,7 +12069,7 @@
             </c:numRef>
           </c:val>
           <c:smooth val="0"/>
-          <c:extLst xmlns:c16r2="http://schemas.microsoft.com/office/drawing/2015/06/chart">
+          <c:extLst>
             <c:ext xmlns:c16="http://schemas.microsoft.com/office/drawing/2014/chart" uri="{C3380CC4-5D6E-409C-BE32-E72D297353CC}">
               <c16:uniqueId val="{00000000-DE5E-4285-94F6-FD61D3C97223}"/>
             </c:ext>
@@ -11832,7 +12277,7 @@
 </file>
 
 <file path=ppt/charts/chart8.xml><?xml version="1.0" encoding="utf-8"?>
-<c:chartSpace xmlns:c="http://schemas.openxmlformats.org/drawingml/2006/chart" xmlns:a="http://schemas.openxmlformats.org/drawingml/2006/main" xmlns:r="http://schemas.openxmlformats.org/officeDocument/2006/relationships">
+<c:chartSpace xmlns:c="http://schemas.openxmlformats.org/drawingml/2006/chart" xmlns:a="http://schemas.openxmlformats.org/drawingml/2006/main" xmlns:r="http://schemas.openxmlformats.org/officeDocument/2006/relationships" xmlns:c16r2="http://schemas.microsoft.com/office/drawing/2015/06/chart">
   <c:date1904 val="0"/>
   <c:lang val="ko-KR"/>
   <c:roundedCorners val="0"/>
@@ -11927,7 +12372,7 @@
               <c:extLst/>
             </c:numRef>
           </c:val>
-          <c:extLst xmlns:c16r2="http://schemas.microsoft.com/office/drawing/2015/06/chart">
+          <c:extLst>
             <c:ext xmlns:c16="http://schemas.microsoft.com/office/drawing/2014/chart" uri="{C3380CC4-5D6E-409C-BE32-E72D297353CC}">
               <c16:uniqueId val="{00000000-A8F8-4364-B50E-CC9A82DE76F3}"/>
             </c:ext>
@@ -11998,7 +12443,7 @@
               <c:extLst/>
             </c:numRef>
           </c:val>
-          <c:extLst xmlns:c16r2="http://schemas.microsoft.com/office/drawing/2015/06/chart">
+          <c:extLst>
             <c:ext xmlns:c16="http://schemas.microsoft.com/office/drawing/2014/chart" uri="{C3380CC4-5D6E-409C-BE32-E72D297353CC}">
               <c16:uniqueId val="{00000001-A8F8-4364-B50E-CC9A82DE76F3}"/>
             </c:ext>
@@ -12077,7 +12522,7 @@
               <c:extLst/>
             </c:numRef>
           </c:val>
-          <c:extLst xmlns:c16r2="http://schemas.microsoft.com/office/drawing/2015/06/chart">
+          <c:extLst>
             <c:ext xmlns:c16="http://schemas.microsoft.com/office/drawing/2014/chart" uri="{C3380CC4-5D6E-409C-BE32-E72D297353CC}">
               <c16:uniqueId val="{00000002-A8F8-4364-B50E-CC9A82DE76F3}"/>
             </c:ext>
@@ -12156,7 +12601,7 @@
               <c:extLst/>
             </c:numRef>
           </c:val>
-          <c:extLst xmlns:c16r2="http://schemas.microsoft.com/office/drawing/2015/06/chart">
+          <c:extLst>
             <c:ext xmlns:c16="http://schemas.microsoft.com/office/drawing/2014/chart" uri="{C3380CC4-5D6E-409C-BE32-E72D297353CC}">
               <c16:uniqueId val="{00000003-A8F8-4364-B50E-CC9A82DE76F3}"/>
             </c:ext>
@@ -12225,7 +12670,7 @@
               <c:extLst/>
             </c:numRef>
           </c:val>
-          <c:extLst xmlns:c16r2="http://schemas.microsoft.com/office/drawing/2015/06/chart">
+          <c:extLst>
             <c:ext xmlns:c16="http://schemas.microsoft.com/office/drawing/2014/chart" uri="{C3380CC4-5D6E-409C-BE32-E72D297353CC}">
               <c16:uniqueId val="{00000004-A8F8-4364-B50E-CC9A82DE76F3}"/>
             </c:ext>
@@ -12467,7 +12912,7 @@
 </file>
 
 <file path=ppt/charts/chart9.xml><?xml version="1.0" encoding="utf-8"?>
-<c:chartSpace xmlns:c="http://schemas.openxmlformats.org/drawingml/2006/chart" xmlns:a="http://schemas.openxmlformats.org/drawingml/2006/main" xmlns:r="http://schemas.openxmlformats.org/officeDocument/2006/relationships">
+<c:chartSpace xmlns:c="http://schemas.openxmlformats.org/drawingml/2006/chart" xmlns:a="http://schemas.openxmlformats.org/drawingml/2006/main" xmlns:r="http://schemas.openxmlformats.org/officeDocument/2006/relationships" xmlns:c16r2="http://schemas.microsoft.com/office/drawing/2015/06/chart">
   <c:date1904 val="0"/>
   <c:lang val="ko-KR"/>
   <c:roundedCorners val="0"/>
@@ -12562,7 +13007,7 @@
               <c:extLst/>
             </c:numRef>
           </c:val>
-          <c:extLst xmlns:c16r2="http://schemas.microsoft.com/office/drawing/2015/06/chart">
+          <c:extLst>
             <c:ext xmlns:c16="http://schemas.microsoft.com/office/drawing/2014/chart" uri="{C3380CC4-5D6E-409C-BE32-E72D297353CC}">
               <c16:uniqueId val="{00000000-9EAB-4148-ADEA-06CF7EC240C0}"/>
             </c:ext>
@@ -12633,7 +13078,7 @@
               <c:extLst/>
             </c:numRef>
           </c:val>
-          <c:extLst xmlns:c16r2="http://schemas.microsoft.com/office/drawing/2015/06/chart">
+          <c:extLst>
             <c:ext xmlns:c16="http://schemas.microsoft.com/office/drawing/2014/chart" uri="{C3380CC4-5D6E-409C-BE32-E72D297353CC}">
               <c16:uniqueId val="{00000001-9EAB-4148-ADEA-06CF7EC240C0}"/>
             </c:ext>
@@ -12712,7 +13157,7 @@
               <c:extLst/>
             </c:numRef>
           </c:val>
-          <c:extLst xmlns:c16r2="http://schemas.microsoft.com/office/drawing/2015/06/chart">
+          <c:extLst>
             <c:ext xmlns:c16="http://schemas.microsoft.com/office/drawing/2014/chart" uri="{C3380CC4-5D6E-409C-BE32-E72D297353CC}">
               <c16:uniqueId val="{00000002-9EAB-4148-ADEA-06CF7EC240C0}"/>
             </c:ext>
@@ -12781,7 +13226,7 @@
               <c:extLst/>
             </c:numRef>
           </c:val>
-          <c:extLst xmlns:c16r2="http://schemas.microsoft.com/office/drawing/2015/06/chart">
+          <c:extLst>
             <c:ext xmlns:c16="http://schemas.microsoft.com/office/drawing/2014/chart" uri="{C3380CC4-5D6E-409C-BE32-E72D297353CC}">
               <c16:uniqueId val="{00000003-9EAB-4148-ADEA-06CF7EC240C0}"/>
             </c:ext>
@@ -15680,7 +16125,7 @@
 </file>
 
 <file path=ppt/charts/style13.xml><?xml version="1.0" encoding="utf-8"?>
-<cs:chartStyle xmlns:cs="http://schemas.microsoft.com/office/drawing/2012/chartStyle" xmlns:a="http://schemas.openxmlformats.org/drawingml/2006/main" id="227">
+<cs:chartStyle xmlns:cs="http://schemas.microsoft.com/office/drawing/2012/chartStyle" xmlns:a="http://schemas.openxmlformats.org/drawingml/2006/main" id="297">
   <cs:axisTitle>
     <cs:lnRef idx="0"/>
     <cs:fillRef idx="0"/>
@@ -15788,11 +16233,6 @@
     <cs:fontRef idx="minor">
       <a:schemeClr val="tx1"/>
     </cs:fontRef>
-    <cs:spPr>
-      <a:solidFill>
-        <a:schemeClr val="phClr"/>
-      </a:solidFill>
-    </cs:spPr>
   </cs:dataPoint>
   <cs:dataPoint3D>
     <cs:lnRef idx="0"/>
@@ -15803,11 +16243,6 @@
     <cs:fontRef idx="minor">
       <a:schemeClr val="tx1"/>
     </cs:fontRef>
-    <cs:spPr>
-      <a:solidFill>
-        <a:schemeClr val="phClr"/>
-      </a:solidFill>
-    </cs:spPr>
   </cs:dataPoint3D>
   <cs:dataPointLine>
     <cs:lnRef idx="0">
@@ -15839,9 +16274,6 @@
       <a:schemeClr val="tx1"/>
     </cs:fontRef>
     <cs:spPr>
-      <a:solidFill>
-        <a:schemeClr val="phClr"/>
-      </a:solidFill>
       <a:ln w="9525">
         <a:solidFill>
           <a:schemeClr val="phClr"/>
@@ -15897,22 +16329,23 @@
     <cs:fillRef idx="0"/>
     <cs:effectRef idx="0"/>
     <cs:fontRef idx="minor">
-      <a:schemeClr val="dk1"/>
+      <a:schemeClr val="tx1"/>
     </cs:fontRef>
     <cs:spPr>
       <a:solidFill>
         <a:schemeClr val="dk1">
-          <a:lumMod val="65000"/>
-          <a:lumOff val="35000"/>
+          <a:lumMod val="75000"/>
+          <a:lumOff val="25000"/>
         </a:schemeClr>
       </a:solidFill>
-      <a:ln w="9525">
+      <a:ln w="9525" cap="flat" cmpd="sng" algn="ctr">
         <a:solidFill>
           <a:schemeClr val="tx1">
             <a:lumMod val="65000"/>
             <a:lumOff val="35000"/>
           </a:schemeClr>
         </a:solidFill>
+        <a:round/>
       </a:ln>
     </cs:spPr>
   </cs:downBar>
@@ -16017,8 +16450,8 @@
       <a:ln w="9525" cap="flat" cmpd="sng" algn="ctr">
         <a:solidFill>
           <a:schemeClr val="tx1">
-            <a:lumMod val="75000"/>
-            <a:lumOff val="25000"/>
+            <a:lumMod val="50000"/>
+            <a:lumOff val="50000"/>
           </a:schemeClr>
         </a:solidFill>
         <a:round/>
@@ -16150,19 +16583,20 @@
     <cs:fillRef idx="0"/>
     <cs:effectRef idx="0"/>
     <cs:fontRef idx="minor">
-      <a:schemeClr val="dk1"/>
+      <a:schemeClr val="tx1"/>
     </cs:fontRef>
     <cs:spPr>
       <a:solidFill>
         <a:schemeClr val="lt1"/>
       </a:solidFill>
-      <a:ln w="9525">
+      <a:ln w="9525" cap="flat" cmpd="sng" algn="ctr">
         <a:solidFill>
           <a:schemeClr val="tx1">
-            <a:lumMod val="15000"/>
-            <a:lumOff val="85000"/>
+            <a:lumMod val="65000"/>
+            <a:lumOff val="35000"/>
           </a:schemeClr>
         </a:solidFill>
+        <a:round/>
       </a:ln>
     </cs:spPr>
   </cs:upBar>
@@ -32313,14 +32747,7 @@
                 <a:latin typeface="Times New Roman" panose="02020603050405020304" pitchFamily="18" charset="0"/>
                 <a:cs typeface="Times New Roman" panose="02020603050405020304" pitchFamily="18" charset="0"/>
               </a:rPr>
-              <a:t>Fig. </a:t>
-            </a:r>
-            <a:r>
-              <a:rPr lang="en-US" altLang="ko-KR" sz="2400" spc="100" dirty="0" smtClean="0">
-                <a:latin typeface="Times New Roman" panose="02020603050405020304" pitchFamily="18" charset="0"/>
-                <a:cs typeface="Times New Roman" panose="02020603050405020304" pitchFamily="18" charset="0"/>
-              </a:rPr>
-              <a:t>6: </a:t>
+              <a:t>Fig. 6: </a:t>
             </a:r>
             <a:r>
               <a:rPr lang="en-US" altLang="ko-KR" sz="2400" dirty="0" smtClean="0">
@@ -32484,21 +32911,7 @@
                 <a:latin typeface="Times New Roman" panose="02020603050405020304" pitchFamily="18" charset="0"/>
                 <a:cs typeface="Times New Roman" panose="02020603050405020304" pitchFamily="18" charset="0"/>
               </a:rPr>
-              <a:t>Fig. </a:t>
-            </a:r>
-            <a:r>
-              <a:rPr lang="en-US" altLang="ko-KR" sz="2400" dirty="0" smtClean="0">
-                <a:latin typeface="Times New Roman" panose="02020603050405020304" pitchFamily="18" charset="0"/>
-                <a:cs typeface="Times New Roman" panose="02020603050405020304" pitchFamily="18" charset="0"/>
-              </a:rPr>
-              <a:t>8: </a:t>
-            </a:r>
-            <a:r>
-              <a:rPr lang="en-US" altLang="ko-KR" sz="2400" dirty="0" smtClean="0">
-                <a:latin typeface="Times New Roman" panose="02020603050405020304" pitchFamily="18" charset="0"/>
-                <a:cs typeface="Times New Roman" panose="02020603050405020304" pitchFamily="18" charset="0"/>
-              </a:rPr>
-              <a:t>A comparison of WAF on Samsung PM963 SSD.</a:t>
+              <a:t>Fig. 8: A comparison of WAF on Samsung PM963 SSD.</a:t>
             </a:r>
             <a:endParaRPr lang="ko-KR" altLang="en-US" sz="2400" dirty="0">
               <a:latin typeface="Times New Roman" panose="02020603050405020304" pitchFamily="18" charset="0"/>
@@ -32535,21 +32948,7 @@
                 <a:latin typeface="Times New Roman" panose="02020603050405020304" pitchFamily="18" charset="0"/>
                 <a:cs typeface="Times New Roman" panose="02020603050405020304" pitchFamily="18" charset="0"/>
               </a:rPr>
-              <a:t>Fig. </a:t>
-            </a:r>
-            <a:r>
-              <a:rPr lang="en-US" altLang="ko-KR" sz="2400" dirty="0" smtClean="0">
-                <a:latin typeface="Times New Roman" panose="02020603050405020304" pitchFamily="18" charset="0"/>
-                <a:cs typeface="Times New Roman" panose="02020603050405020304" pitchFamily="18" charset="0"/>
-              </a:rPr>
-              <a:t>7: </a:t>
-            </a:r>
-            <a:r>
-              <a:rPr lang="en-US" altLang="ko-KR" sz="2400" dirty="0" smtClean="0">
-                <a:latin typeface="Times New Roman" panose="02020603050405020304" pitchFamily="18" charset="0"/>
-                <a:cs typeface="Times New Roman" panose="02020603050405020304" pitchFamily="18" charset="0"/>
-              </a:rPr>
-              <a:t>A comparison of per-stream </a:t>
+              <a:t>Fig. 7: A comparison of per-stream </a:t>
             </a:r>
             <a:br>
               <a:rPr lang="en-US" altLang="ko-KR" sz="2400" dirty="0" smtClean="0">
@@ -32767,14 +33166,7 @@
                 <a:latin typeface="Times New Roman" panose="02020603050405020304" pitchFamily="18" charset="0"/>
                 <a:cs typeface="Times New Roman" panose="02020603050405020304" pitchFamily="18" charset="0"/>
               </a:rPr>
-              <a:t>Fig. </a:t>
-            </a:r>
-            <a:r>
-              <a:rPr lang="en-US" altLang="ko-KR" sz="2400" spc="100" dirty="0" smtClean="0">
-                <a:latin typeface="Times New Roman" panose="02020603050405020304" pitchFamily="18" charset="0"/>
-                <a:cs typeface="Times New Roman" panose="02020603050405020304" pitchFamily="18" charset="0"/>
-              </a:rPr>
-              <a:t>6: </a:t>
+              <a:t>Fig. 6: </a:t>
             </a:r>
             <a:r>
               <a:rPr lang="en-US" altLang="ko-KR" sz="2400" dirty="0" smtClean="0">
@@ -32938,21 +33330,7 @@
                 <a:latin typeface="Times New Roman" panose="02020603050405020304" pitchFamily="18" charset="0"/>
                 <a:cs typeface="Times New Roman" panose="02020603050405020304" pitchFamily="18" charset="0"/>
               </a:rPr>
-              <a:t>Fig. </a:t>
-            </a:r>
-            <a:r>
-              <a:rPr lang="en-US" altLang="ko-KR" sz="2400" dirty="0" smtClean="0">
-                <a:latin typeface="Times New Roman" panose="02020603050405020304" pitchFamily="18" charset="0"/>
-                <a:cs typeface="Times New Roman" panose="02020603050405020304" pitchFamily="18" charset="0"/>
-              </a:rPr>
-              <a:t>8: </a:t>
-            </a:r>
-            <a:r>
-              <a:rPr lang="en-US" altLang="ko-KR" sz="2400" dirty="0" smtClean="0">
-                <a:latin typeface="Times New Roman" panose="02020603050405020304" pitchFamily="18" charset="0"/>
-                <a:cs typeface="Times New Roman" panose="02020603050405020304" pitchFamily="18" charset="0"/>
-              </a:rPr>
-              <a:t>A comparison of WAF on Samsung PM963 SSD.</a:t>
+              <a:t>Fig. 8: A comparison of WAF on Samsung PM963 SSD.</a:t>
             </a:r>
             <a:endParaRPr lang="ko-KR" altLang="en-US" sz="2400" dirty="0">
               <a:latin typeface="Times New Roman" panose="02020603050405020304" pitchFamily="18" charset="0"/>
@@ -32989,21 +33367,7 @@
                 <a:latin typeface="Times New Roman" panose="02020603050405020304" pitchFamily="18" charset="0"/>
                 <a:cs typeface="Times New Roman" panose="02020603050405020304" pitchFamily="18" charset="0"/>
               </a:rPr>
-              <a:t>Fig. </a:t>
-            </a:r>
-            <a:r>
-              <a:rPr lang="en-US" altLang="ko-KR" sz="2400" dirty="0" smtClean="0">
-                <a:latin typeface="Times New Roman" panose="02020603050405020304" pitchFamily="18" charset="0"/>
-                <a:cs typeface="Times New Roman" panose="02020603050405020304" pitchFamily="18" charset="0"/>
-              </a:rPr>
-              <a:t>7: </a:t>
-            </a:r>
-            <a:r>
-              <a:rPr lang="en-US" altLang="ko-KR" sz="2400" dirty="0" smtClean="0">
-                <a:latin typeface="Times New Roman" panose="02020603050405020304" pitchFamily="18" charset="0"/>
-                <a:cs typeface="Times New Roman" panose="02020603050405020304" pitchFamily="18" charset="0"/>
-              </a:rPr>
-              <a:t>A comparison of per-stream </a:t>
+              <a:t>Fig. 7: A comparison of per-stream </a:t>
             </a:r>
             <a:br>
               <a:rPr lang="en-US" altLang="ko-KR" sz="2400" dirty="0" smtClean="0">
@@ -33027,20 +33391,20 @@
       </p:sp>
       <p:graphicFrame>
         <p:nvGraphicFramePr>
-          <p:cNvPr id="12" name="차트 11"/>
+          <p:cNvPr id="14" name="차트 13"/>
           <p:cNvGraphicFramePr>
             <a:graphicFrameLocks/>
           </p:cNvGraphicFramePr>
           <p:nvPr>
             <p:extLst>
               <p:ext uri="{D42A27DB-BD31-4B8C-83A1-F6EECF244321}">
-                <p14:modId xmlns:p14="http://schemas.microsoft.com/office/powerpoint/2010/main" val="1715620205"/>
+                <p14:modId xmlns:p14="http://schemas.microsoft.com/office/powerpoint/2010/main" val="1139544242"/>
               </p:ext>
             </p:extLst>
           </p:nvPr>
         </p:nvGraphicFramePr>
         <p:xfrm>
-          <a:off x="3500725" y="521708"/>
+          <a:off x="3521119" y="516366"/>
           <a:ext cx="6120000" cy="2743200"/>
         </p:xfrm>
         <a:graphic>

--- a/figure/figs_for_exp.pptx
+++ b/figure/figs_for_exp.pptx
@@ -3079,11 +3079,12 @@
           </c:tx>
           <c:spPr>
             <a:solidFill>
-              <a:schemeClr val="bg1">
+              <a:schemeClr val="tx1">
                 <a:lumMod val="65000"/>
+                <a:lumOff val="35000"/>
               </a:schemeClr>
             </a:solidFill>
-            <a:ln w="19050">
+            <a:ln w="9525">
               <a:solidFill>
                 <a:sysClr val="windowText" lastClr="000000"/>
               </a:solidFill>
@@ -3294,7 +3295,7 @@
                 <a:lumMod val="65000"/>
               </a:schemeClr>
             </a:solidFill>
-            <a:ln w="19050">
+            <a:ln w="9525">
               <a:solidFill>
                 <a:schemeClr val="tx1"/>
               </a:solidFill>
@@ -4207,7 +4208,6 @@
               </a:p>
             </c:rich>
           </c:tx>
-          <c:layout/>
           <c:overlay val="0"/>
           <c:spPr>
             <a:noFill/>
@@ -9752,7 +9752,6 @@
               </a:p>
             </c:rich>
           </c:tx>
-          <c:layout/>
           <c:overlay val="0"/>
           <c:spPr>
             <a:noFill/>
@@ -10309,7 +10308,6 @@
               </a:p>
             </c:rich>
           </c:tx>
-          <c:layout/>
           <c:overlay val="0"/>
           <c:spPr>
             <a:noFill/>
@@ -10943,7 +10941,6 @@
               </a:p>
             </c:rich>
           </c:tx>
-          <c:layout/>
           <c:overlay val="0"/>
           <c:spPr>
             <a:noFill/>
@@ -11500,7 +11497,6 @@
               </a:p>
             </c:rich>
           </c:tx>
-          <c:layout/>
           <c:overlay val="0"/>
           <c:spPr>
             <a:noFill/>
@@ -12765,7 +12761,6 @@
               </a:p>
             </c:rich>
           </c:tx>
-          <c:layout/>
           <c:overlay val="0"/>
           <c:spPr>
             <a:noFill/>
@@ -13321,7 +13316,6 @@
               </a:p>
             </c:rich>
           </c:tx>
-          <c:layout/>
           <c:overlay val="0"/>
           <c:spPr>
             <a:noFill/>
@@ -24860,7 +24854,7 @@
           <a:p>
             <a:fld id="{2597716F-CBC2-45E0-B541-5CF1B3E1A2C4}" type="datetimeFigureOut">
               <a:rPr lang="ko-KR" altLang="en-US" smtClean="0"/>
-              <a:t>2018-03-15</a:t>
+              <a:t>2018-03-16</a:t>
             </a:fld>
             <a:endParaRPr lang="ko-KR" altLang="en-US"/>
           </a:p>
@@ -25030,7 +25024,7 @@
           <a:p>
             <a:fld id="{2597716F-CBC2-45E0-B541-5CF1B3E1A2C4}" type="datetimeFigureOut">
               <a:rPr lang="ko-KR" altLang="en-US" smtClean="0"/>
-              <a:t>2018-03-15</a:t>
+              <a:t>2018-03-16</a:t>
             </a:fld>
             <a:endParaRPr lang="ko-KR" altLang="en-US"/>
           </a:p>
@@ -25210,7 +25204,7 @@
           <a:p>
             <a:fld id="{2597716F-CBC2-45E0-B541-5CF1B3E1A2C4}" type="datetimeFigureOut">
               <a:rPr lang="ko-KR" altLang="en-US" smtClean="0"/>
-              <a:t>2018-03-15</a:t>
+              <a:t>2018-03-16</a:t>
             </a:fld>
             <a:endParaRPr lang="ko-KR" altLang="en-US"/>
           </a:p>
@@ -25380,7 +25374,7 @@
           <a:p>
             <a:fld id="{2597716F-CBC2-45E0-B541-5CF1B3E1A2C4}" type="datetimeFigureOut">
               <a:rPr lang="ko-KR" altLang="en-US" smtClean="0"/>
-              <a:t>2018-03-15</a:t>
+              <a:t>2018-03-16</a:t>
             </a:fld>
             <a:endParaRPr lang="ko-KR" altLang="en-US"/>
           </a:p>
@@ -25626,7 +25620,7 @@
           <a:p>
             <a:fld id="{2597716F-CBC2-45E0-B541-5CF1B3E1A2C4}" type="datetimeFigureOut">
               <a:rPr lang="ko-KR" altLang="en-US" smtClean="0"/>
-              <a:t>2018-03-15</a:t>
+              <a:t>2018-03-16</a:t>
             </a:fld>
             <a:endParaRPr lang="ko-KR" altLang="en-US"/>
           </a:p>
@@ -25858,7 +25852,7 @@
           <a:p>
             <a:fld id="{2597716F-CBC2-45E0-B541-5CF1B3E1A2C4}" type="datetimeFigureOut">
               <a:rPr lang="ko-KR" altLang="en-US" smtClean="0"/>
-              <a:t>2018-03-15</a:t>
+              <a:t>2018-03-16</a:t>
             </a:fld>
             <a:endParaRPr lang="ko-KR" altLang="en-US"/>
           </a:p>
@@ -26225,7 +26219,7 @@
           <a:p>
             <a:fld id="{2597716F-CBC2-45E0-B541-5CF1B3E1A2C4}" type="datetimeFigureOut">
               <a:rPr lang="ko-KR" altLang="en-US" smtClean="0"/>
-              <a:t>2018-03-15</a:t>
+              <a:t>2018-03-16</a:t>
             </a:fld>
             <a:endParaRPr lang="ko-KR" altLang="en-US"/>
           </a:p>
@@ -26343,7 +26337,7 @@
           <a:p>
             <a:fld id="{2597716F-CBC2-45E0-B541-5CF1B3E1A2C4}" type="datetimeFigureOut">
               <a:rPr lang="ko-KR" altLang="en-US" smtClean="0"/>
-              <a:t>2018-03-15</a:t>
+              <a:t>2018-03-16</a:t>
             </a:fld>
             <a:endParaRPr lang="ko-KR" altLang="en-US"/>
           </a:p>
@@ -26438,7 +26432,7 @@
           <a:p>
             <a:fld id="{2597716F-CBC2-45E0-B541-5CF1B3E1A2C4}" type="datetimeFigureOut">
               <a:rPr lang="ko-KR" altLang="en-US" smtClean="0"/>
-              <a:t>2018-03-15</a:t>
+              <a:t>2018-03-16</a:t>
             </a:fld>
             <a:endParaRPr lang="ko-KR" altLang="en-US"/>
           </a:p>
@@ -26715,7 +26709,7 @@
           <a:p>
             <a:fld id="{2597716F-CBC2-45E0-B541-5CF1B3E1A2C4}" type="datetimeFigureOut">
               <a:rPr lang="ko-KR" altLang="en-US" smtClean="0"/>
-              <a:t>2018-03-15</a:t>
+              <a:t>2018-03-16</a:t>
             </a:fld>
             <a:endParaRPr lang="ko-KR" altLang="en-US"/>
           </a:p>
@@ -26968,7 +26962,7 @@
           <a:p>
             <a:fld id="{2597716F-CBC2-45E0-B541-5CF1B3E1A2C4}" type="datetimeFigureOut">
               <a:rPr lang="ko-KR" altLang="en-US" smtClean="0"/>
-              <a:t>2018-03-15</a:t>
+              <a:t>2018-03-16</a:t>
             </a:fld>
             <a:endParaRPr lang="ko-KR" altLang="en-US"/>
           </a:p>
@@ -27181,7 +27175,7 @@
           <a:p>
             <a:fld id="{2597716F-CBC2-45E0-B541-5CF1B3E1A2C4}" type="datetimeFigureOut">
               <a:rPr lang="ko-KR" altLang="en-US" smtClean="0"/>
-              <a:t>2018-03-15</a:t>
+              <a:t>2018-03-16</a:t>
             </a:fld>
             <a:endParaRPr lang="ko-KR" altLang="en-US"/>
           </a:p>
@@ -33147,7 +33141,7 @@
         <p:spPr>
           <a:xfrm>
             <a:off x="-903488" y="3188182"/>
-            <a:ext cx="4505669" cy="738664"/>
+            <a:ext cx="4505669" cy="769441"/>
           </a:xfrm>
           <a:prstGeom prst="rect">
             <a:avLst/>
@@ -33162,33 +33156,33 @@
           <a:p>
             <a:pPr algn="ctr"/>
             <a:r>
-              <a:rPr lang="en-US" altLang="ko-KR" sz="2400" spc="100" dirty="0" smtClean="0">
+              <a:rPr lang="en-US" altLang="ko-KR" sz="2500" spc="100" dirty="0" smtClean="0">
                 <a:latin typeface="Times New Roman" panose="02020603050405020304" pitchFamily="18" charset="0"/>
                 <a:cs typeface="Times New Roman" panose="02020603050405020304" pitchFamily="18" charset="0"/>
               </a:rPr>
               <a:t>Fig. 6: </a:t>
             </a:r>
             <a:r>
-              <a:rPr lang="en-US" altLang="ko-KR" sz="2400" dirty="0" smtClean="0">
+              <a:rPr lang="en-US" altLang="ko-KR" sz="2500" dirty="0" smtClean="0">
                 <a:latin typeface="Times New Roman" panose="02020603050405020304" pitchFamily="18" charset="0"/>
                 <a:cs typeface="Times New Roman" panose="02020603050405020304" pitchFamily="18" charset="0"/>
               </a:rPr>
               <a:t>A comparison of WAF on </a:t>
             </a:r>
             <a:br>
-              <a:rPr lang="en-US" altLang="ko-KR" sz="2400" dirty="0" smtClean="0">
+              <a:rPr lang="en-US" altLang="ko-KR" sz="2500" dirty="0" smtClean="0">
                 <a:latin typeface="Times New Roman" panose="02020603050405020304" pitchFamily="18" charset="0"/>
                 <a:cs typeface="Times New Roman" panose="02020603050405020304" pitchFamily="18" charset="0"/>
               </a:rPr>
             </a:br>
             <a:r>
-              <a:rPr lang="en-US" altLang="ko-KR" sz="2400" dirty="0" smtClean="0">
+              <a:rPr lang="en-US" altLang="ko-KR" sz="2500" dirty="0" smtClean="0">
                 <a:latin typeface="Times New Roman" panose="02020603050405020304" pitchFamily="18" charset="0"/>
                 <a:cs typeface="Times New Roman" panose="02020603050405020304" pitchFamily="18" charset="0"/>
               </a:rPr>
               <a:t>the SSD emulator.</a:t>
             </a:r>
-            <a:endParaRPr lang="ko-KR" altLang="en-US" sz="2400" dirty="0">
+            <a:endParaRPr lang="ko-KR" altLang="en-US" sz="2500" dirty="0">
               <a:latin typeface="Times New Roman" panose="02020603050405020304" pitchFamily="18" charset="0"/>
               <a:cs typeface="Times New Roman" panose="02020603050405020304" pitchFamily="18" charset="0"/>
             </a:endParaRPr>
@@ -33311,7 +33305,7 @@
         <p:spPr>
           <a:xfrm>
             <a:off x="9641197" y="3204929"/>
-            <a:ext cx="4499923" cy="738664"/>
+            <a:ext cx="4499923" cy="769441"/>
           </a:xfrm>
           <a:prstGeom prst="rect">
             <a:avLst/>
@@ -33326,13 +33320,13 @@
           <a:p>
             <a:pPr algn="ctr"/>
             <a:r>
-              <a:rPr lang="en-US" altLang="ko-KR" sz="2400" dirty="0" smtClean="0">
+              <a:rPr lang="en-US" altLang="ko-KR" sz="2500" dirty="0" smtClean="0">
                 <a:latin typeface="Times New Roman" panose="02020603050405020304" pitchFamily="18" charset="0"/>
                 <a:cs typeface="Times New Roman" panose="02020603050405020304" pitchFamily="18" charset="0"/>
               </a:rPr>
               <a:t>Fig. 8: A comparison of WAF on Samsung PM963 SSD.</a:t>
             </a:r>
-            <a:endParaRPr lang="ko-KR" altLang="en-US" sz="2400" dirty="0">
+            <a:endParaRPr lang="ko-KR" altLang="en-US" sz="2500" dirty="0">
               <a:latin typeface="Times New Roman" panose="02020603050405020304" pitchFamily="18" charset="0"/>
               <a:cs typeface="Times New Roman" panose="02020603050405020304" pitchFamily="18" charset="0"/>
             </a:endParaRPr>
@@ -33348,7 +33342,7 @@
         <p:spPr>
           <a:xfrm>
             <a:off x="3840418" y="3194218"/>
-            <a:ext cx="5719218" cy="738664"/>
+            <a:ext cx="5719218" cy="769441"/>
           </a:xfrm>
           <a:prstGeom prst="rect">
             <a:avLst/>
@@ -33363,26 +33357,26 @@
           <a:p>
             <a:pPr algn="ctr"/>
             <a:r>
-              <a:rPr lang="en-US" altLang="ko-KR" sz="2400" dirty="0" smtClean="0">
+              <a:rPr lang="en-US" altLang="ko-KR" sz="2500" dirty="0" smtClean="0">
                 <a:latin typeface="Times New Roman" panose="02020603050405020304" pitchFamily="18" charset="0"/>
                 <a:cs typeface="Times New Roman" panose="02020603050405020304" pitchFamily="18" charset="0"/>
               </a:rPr>
               <a:t>Fig. 7: A comparison of per-stream </a:t>
             </a:r>
             <a:br>
-              <a:rPr lang="en-US" altLang="ko-KR" sz="2400" dirty="0" smtClean="0">
+              <a:rPr lang="en-US" altLang="ko-KR" sz="2500" dirty="0" smtClean="0">
                 <a:latin typeface="Times New Roman" panose="02020603050405020304" pitchFamily="18" charset="0"/>
                 <a:cs typeface="Times New Roman" panose="02020603050405020304" pitchFamily="18" charset="0"/>
               </a:rPr>
             </a:br>
             <a:r>
-              <a:rPr lang="en-US" altLang="ko-KR" sz="2400" dirty="0" smtClean="0">
+              <a:rPr lang="en-US" altLang="ko-KR" sz="2500" dirty="0" smtClean="0">
                 <a:latin typeface="Times New Roman" panose="02020603050405020304" pitchFamily="18" charset="0"/>
                 <a:cs typeface="Times New Roman" panose="02020603050405020304" pitchFamily="18" charset="0"/>
               </a:rPr>
               <a:t>lifetime distributions.</a:t>
             </a:r>
-            <a:endParaRPr lang="ko-KR" altLang="en-US" sz="2400" dirty="0">
+            <a:endParaRPr lang="ko-KR" altLang="en-US" sz="2500" dirty="0">
               <a:latin typeface="Times New Roman" panose="02020603050405020304" pitchFamily="18" charset="0"/>
               <a:cs typeface="Times New Roman" panose="02020603050405020304" pitchFamily="18" charset="0"/>
             </a:endParaRPr>
@@ -33398,7 +33392,7 @@
           <p:nvPr>
             <p:extLst>
               <p:ext uri="{D42A27DB-BD31-4B8C-83A1-F6EECF244321}">
-                <p14:modId xmlns:p14="http://schemas.microsoft.com/office/powerpoint/2010/main" val="1139544242"/>
+                <p14:modId xmlns:p14="http://schemas.microsoft.com/office/powerpoint/2010/main" val="2257811297"/>
               </p:ext>
             </p:extLst>
           </p:nvPr>

--- a/figure/figs_for_exp.pptx
+++ b/figure/figs_for_exp.pptx
@@ -2741,9 +2741,9 @@
           <c:xMode val="edge"/>
           <c:yMode val="edge"/>
           <c:x val="0.14984754901960784"/>
-          <c:y val="3.0764071157771945E-2"/>
+          <c:y val="3.6489064404934962E-2"/>
           <c:w val="0.84600212418300658"/>
-          <c:h val="0.73892825896762904"/>
+          <c:h val="0.72607570808147159"/>
         </c:manualLayout>
       </c:layout>
       <c:barChart>
@@ -3656,6 +3656,8 @@
         <c:axId val="1137218400"/>
         <c:scaling>
           <c:orientation val="minMax"/>
+          <c:max val="5500000"/>
+          <c:min val="0"/>
         </c:scaling>
         <c:delete val="0"/>
         <c:axPos val="l"/>
@@ -3766,9 +3768,7 @@
     <c:showDLblsOverMax val="0"/>
   </c:chart>
   <c:spPr>
-    <a:solidFill>
-      <a:schemeClr val="bg1"/>
-    </a:solidFill>
+    <a:noFill/>
     <a:ln w="9525" cap="flat" cmpd="sng" algn="ctr">
       <a:noFill/>
       <a:round/>
@@ -12761,6 +12761,7 @@
               </a:p>
             </c:rich>
           </c:tx>
+          <c:layout/>
           <c:overlay val="0"/>
           <c:spPr>
             <a:noFill/>
@@ -13316,6 +13317,7 @@
               </a:p>
             </c:rich>
           </c:tx>
+          <c:layout/>
           <c:overlay val="0"/>
           <c:spPr>
             <a:noFill/>
@@ -33027,14 +33029,14 @@
           <p:nvPr>
             <p:extLst>
               <p:ext uri="{D42A27DB-BD31-4B8C-83A1-F6EECF244321}">
-                <p14:modId xmlns:p14="http://schemas.microsoft.com/office/powerpoint/2010/main" val="1029116999"/>
+                <p14:modId xmlns:p14="http://schemas.microsoft.com/office/powerpoint/2010/main" val="787785784"/>
               </p:ext>
             </p:extLst>
           </p:nvPr>
         </p:nvGraphicFramePr>
         <p:xfrm>
-          <a:off x="-897819" y="521708"/>
-          <a:ext cx="4500000" cy="2743200"/>
+          <a:off x="-897819" y="533401"/>
+          <a:ext cx="4500000" cy="2731508"/>
         </p:xfrm>
         <a:graphic>
           <a:graphicData uri="http://schemas.openxmlformats.org/drawingml/2006/chart">
@@ -33141,7 +33143,7 @@
         <p:spPr>
           <a:xfrm>
             <a:off x="-903488" y="3188182"/>
-            <a:ext cx="4505669" cy="769441"/>
+            <a:ext cx="4505669" cy="738664"/>
           </a:xfrm>
           <a:prstGeom prst="rect">
             <a:avLst/>
@@ -33156,33 +33158,33 @@
           <a:p>
             <a:pPr algn="ctr"/>
             <a:r>
-              <a:rPr lang="en-US" altLang="ko-KR" sz="2500" spc="100" dirty="0" smtClean="0">
+              <a:rPr lang="en-US" altLang="ko-KR" sz="2400" spc="100" dirty="0" smtClean="0">
                 <a:latin typeface="Times New Roman" panose="02020603050405020304" pitchFamily="18" charset="0"/>
                 <a:cs typeface="Times New Roman" panose="02020603050405020304" pitchFamily="18" charset="0"/>
               </a:rPr>
               <a:t>Fig. 6: </a:t>
             </a:r>
             <a:r>
-              <a:rPr lang="en-US" altLang="ko-KR" sz="2500" dirty="0" smtClean="0">
+              <a:rPr lang="en-US" altLang="ko-KR" sz="2400" dirty="0" smtClean="0">
                 <a:latin typeface="Times New Roman" panose="02020603050405020304" pitchFamily="18" charset="0"/>
                 <a:cs typeface="Times New Roman" panose="02020603050405020304" pitchFamily="18" charset="0"/>
               </a:rPr>
               <a:t>A comparison of WAF on </a:t>
             </a:r>
             <a:br>
-              <a:rPr lang="en-US" altLang="ko-KR" sz="2500" dirty="0" smtClean="0">
+              <a:rPr lang="en-US" altLang="ko-KR" sz="2400" dirty="0" smtClean="0">
                 <a:latin typeface="Times New Roman" panose="02020603050405020304" pitchFamily="18" charset="0"/>
                 <a:cs typeface="Times New Roman" panose="02020603050405020304" pitchFamily="18" charset="0"/>
               </a:rPr>
             </a:br>
             <a:r>
-              <a:rPr lang="en-US" altLang="ko-KR" sz="2500" dirty="0" smtClean="0">
+              <a:rPr lang="en-US" altLang="ko-KR" sz="2400" dirty="0" smtClean="0">
                 <a:latin typeface="Times New Roman" panose="02020603050405020304" pitchFamily="18" charset="0"/>
                 <a:cs typeface="Times New Roman" panose="02020603050405020304" pitchFamily="18" charset="0"/>
               </a:rPr>
               <a:t>the SSD emulator.</a:t>
             </a:r>
-            <a:endParaRPr lang="ko-KR" altLang="en-US" sz="2500" dirty="0">
+            <a:endParaRPr lang="ko-KR" altLang="en-US" sz="2400" dirty="0">
               <a:latin typeface="Times New Roman" panose="02020603050405020304" pitchFamily="18" charset="0"/>
               <a:cs typeface="Times New Roman" panose="02020603050405020304" pitchFamily="18" charset="0"/>
             </a:endParaRPr>
@@ -33305,7 +33307,7 @@
         <p:spPr>
           <a:xfrm>
             <a:off x="9641197" y="3204929"/>
-            <a:ext cx="4499923" cy="769441"/>
+            <a:ext cx="4499923" cy="738664"/>
           </a:xfrm>
           <a:prstGeom prst="rect">
             <a:avLst/>
@@ -33320,13 +33322,13 @@
           <a:p>
             <a:pPr algn="ctr"/>
             <a:r>
-              <a:rPr lang="en-US" altLang="ko-KR" sz="2500" dirty="0" smtClean="0">
+              <a:rPr lang="en-US" altLang="ko-KR" sz="2400" dirty="0" smtClean="0">
                 <a:latin typeface="Times New Roman" panose="02020603050405020304" pitchFamily="18" charset="0"/>
                 <a:cs typeface="Times New Roman" panose="02020603050405020304" pitchFamily="18" charset="0"/>
               </a:rPr>
               <a:t>Fig. 8: A comparison of WAF on Samsung PM963 SSD.</a:t>
             </a:r>
-            <a:endParaRPr lang="ko-KR" altLang="en-US" sz="2500" dirty="0">
+            <a:endParaRPr lang="ko-KR" altLang="en-US" sz="2400" dirty="0">
               <a:latin typeface="Times New Roman" panose="02020603050405020304" pitchFamily="18" charset="0"/>
               <a:cs typeface="Times New Roman" panose="02020603050405020304" pitchFamily="18" charset="0"/>
             </a:endParaRPr>
@@ -33342,7 +33344,7 @@
         <p:spPr>
           <a:xfrm>
             <a:off x="3840418" y="3194218"/>
-            <a:ext cx="5719218" cy="769441"/>
+            <a:ext cx="5719218" cy="738664"/>
           </a:xfrm>
           <a:prstGeom prst="rect">
             <a:avLst/>
@@ -33357,26 +33359,26 @@
           <a:p>
             <a:pPr algn="ctr"/>
             <a:r>
-              <a:rPr lang="en-US" altLang="ko-KR" sz="2500" dirty="0" smtClean="0">
+              <a:rPr lang="en-US" altLang="ko-KR" sz="2400" dirty="0" smtClean="0">
                 <a:latin typeface="Times New Roman" panose="02020603050405020304" pitchFamily="18" charset="0"/>
                 <a:cs typeface="Times New Roman" panose="02020603050405020304" pitchFamily="18" charset="0"/>
               </a:rPr>
               <a:t>Fig. 7: A comparison of per-stream </a:t>
             </a:r>
             <a:br>
-              <a:rPr lang="en-US" altLang="ko-KR" sz="2500" dirty="0" smtClean="0">
+              <a:rPr lang="en-US" altLang="ko-KR" sz="2400" dirty="0" smtClean="0">
                 <a:latin typeface="Times New Roman" panose="02020603050405020304" pitchFamily="18" charset="0"/>
                 <a:cs typeface="Times New Roman" panose="02020603050405020304" pitchFamily="18" charset="0"/>
               </a:rPr>
             </a:br>
             <a:r>
-              <a:rPr lang="en-US" altLang="ko-KR" sz="2500" dirty="0" smtClean="0">
+              <a:rPr lang="en-US" altLang="ko-KR" sz="2400" dirty="0" smtClean="0">
                 <a:latin typeface="Times New Roman" panose="02020603050405020304" pitchFamily="18" charset="0"/>
                 <a:cs typeface="Times New Roman" panose="02020603050405020304" pitchFamily="18" charset="0"/>
               </a:rPr>
               <a:t>lifetime distributions.</a:t>
             </a:r>
-            <a:endParaRPr lang="ko-KR" altLang="en-US" sz="2500" dirty="0">
+            <a:endParaRPr lang="ko-KR" altLang="en-US" sz="2400" dirty="0">
               <a:latin typeface="Times New Roman" panose="02020603050405020304" pitchFamily="18" charset="0"/>
               <a:cs typeface="Times New Roman" panose="02020603050405020304" pitchFamily="18" charset="0"/>
             </a:endParaRPr>
@@ -33392,14 +33394,14 @@
           <p:nvPr>
             <p:extLst>
               <p:ext uri="{D42A27DB-BD31-4B8C-83A1-F6EECF244321}">
-                <p14:modId xmlns:p14="http://schemas.microsoft.com/office/powerpoint/2010/main" val="2257811297"/>
+                <p14:modId xmlns:p14="http://schemas.microsoft.com/office/powerpoint/2010/main" val="2910710975"/>
               </p:ext>
             </p:extLst>
           </p:nvPr>
         </p:nvGraphicFramePr>
         <p:xfrm>
-          <a:off x="3521119" y="516366"/>
-          <a:ext cx="6120000" cy="2743200"/>
+          <a:off x="3521119" y="598714"/>
+          <a:ext cx="6120000" cy="2660852"/>
         </p:xfrm>
         <a:graphic>
           <a:graphicData uri="http://schemas.openxmlformats.org/drawingml/2006/chart">
@@ -33407,6 +33409,587 @@
           </a:graphicData>
         </a:graphic>
       </p:graphicFrame>
+      <p:grpSp>
+        <p:nvGrpSpPr>
+          <p:cNvPr id="22" name="그룹 21"/>
+          <p:cNvGrpSpPr/>
+          <p:nvPr/>
+        </p:nvGrpSpPr>
+        <p:grpSpPr>
+          <a:xfrm>
+            <a:off x="4599301" y="761174"/>
+            <a:ext cx="1073896" cy="964500"/>
+            <a:chOff x="3342001" y="4266374"/>
+            <a:chExt cx="1073896" cy="964500"/>
+          </a:xfrm>
+        </p:grpSpPr>
+        <p:cxnSp>
+          <p:nvCxnSpPr>
+            <p:cNvPr id="11" name="직선 연결선 10"/>
+            <p:cNvCxnSpPr/>
+            <p:nvPr/>
+          </p:nvCxnSpPr>
+          <p:spPr>
+            <a:xfrm>
+              <a:off x="3511609" y="4384533"/>
+              <a:ext cx="0" cy="774000"/>
+            </a:xfrm>
+            <a:prstGeom prst="line">
+              <a:avLst/>
+            </a:prstGeom>
+            <a:ln w="9525">
+              <a:solidFill>
+                <a:schemeClr val="bg1">
+                  <a:lumMod val="50000"/>
+                </a:schemeClr>
+              </a:solidFill>
+            </a:ln>
+          </p:spPr>
+          <p:style>
+            <a:lnRef idx="1">
+              <a:schemeClr val="accent1"/>
+            </a:lnRef>
+            <a:fillRef idx="0">
+              <a:schemeClr val="accent1"/>
+            </a:fillRef>
+            <a:effectRef idx="0">
+              <a:schemeClr val="accent1"/>
+            </a:effectRef>
+            <a:fontRef idx="minor">
+              <a:schemeClr val="tx1"/>
+            </a:fontRef>
+          </p:style>
+        </p:cxnSp>
+        <p:sp>
+          <p:nvSpPr>
+            <p:cNvPr id="5" name="직사각형 4"/>
+            <p:cNvSpPr/>
+            <p:nvPr/>
+          </p:nvSpPr>
+          <p:spPr>
+            <a:xfrm>
+              <a:off x="3342002" y="4574516"/>
+              <a:ext cx="328811" cy="179766"/>
+            </a:xfrm>
+            <a:prstGeom prst="rect">
+              <a:avLst/>
+            </a:prstGeom>
+            <a:solidFill>
+              <a:schemeClr val="bg1">
+                <a:lumMod val="65000"/>
+              </a:schemeClr>
+            </a:solidFill>
+            <a:ln w="9525">
+              <a:solidFill>
+                <a:schemeClr val="tx1"/>
+              </a:solidFill>
+            </a:ln>
+          </p:spPr>
+          <p:style>
+            <a:lnRef idx="2">
+              <a:schemeClr val="accent1">
+                <a:shade val="50000"/>
+              </a:schemeClr>
+            </a:lnRef>
+            <a:fillRef idx="1">
+              <a:schemeClr val="accent1"/>
+            </a:fillRef>
+            <a:effectRef idx="0">
+              <a:schemeClr val="accent1"/>
+            </a:effectRef>
+            <a:fontRef idx="minor">
+              <a:schemeClr val="lt1"/>
+            </a:fontRef>
+          </p:style>
+          <p:txBody>
+            <a:bodyPr rtlCol="0" anchor="ctr"/>
+            <a:lstStyle/>
+            <a:p>
+              <a:pPr algn="ctr"/>
+              <a:endParaRPr lang="ko-KR" altLang="en-US"/>
+            </a:p>
+          </p:txBody>
+        </p:sp>
+        <p:sp>
+          <p:nvSpPr>
+            <p:cNvPr id="15" name="직사각형 14"/>
+            <p:cNvSpPr/>
+            <p:nvPr/>
+          </p:nvSpPr>
+          <p:spPr>
+            <a:xfrm>
+              <a:off x="3342001" y="4757538"/>
+              <a:ext cx="328811" cy="196523"/>
+            </a:xfrm>
+            <a:prstGeom prst="rect">
+              <a:avLst/>
+            </a:prstGeom>
+            <a:solidFill>
+              <a:schemeClr val="bg2">
+                <a:lumMod val="50000"/>
+              </a:schemeClr>
+            </a:solidFill>
+            <a:ln w="9525">
+              <a:solidFill>
+                <a:schemeClr val="tx1"/>
+              </a:solidFill>
+            </a:ln>
+          </p:spPr>
+          <p:style>
+            <a:lnRef idx="2">
+              <a:schemeClr val="accent1">
+                <a:shade val="50000"/>
+              </a:schemeClr>
+            </a:lnRef>
+            <a:fillRef idx="1">
+              <a:schemeClr val="accent1"/>
+            </a:fillRef>
+            <a:effectRef idx="0">
+              <a:schemeClr val="accent1"/>
+            </a:effectRef>
+            <a:fontRef idx="minor">
+              <a:schemeClr val="lt1"/>
+            </a:fontRef>
+          </p:style>
+          <p:txBody>
+            <a:bodyPr rtlCol="0" anchor="ctr"/>
+            <a:lstStyle/>
+            <a:p>
+              <a:pPr algn="ctr"/>
+              <a:endParaRPr lang="ko-KR" altLang="en-US"/>
+            </a:p>
+          </p:txBody>
+        </p:sp>
+        <p:sp>
+          <p:nvSpPr>
+            <p:cNvPr id="13" name="TextBox 12"/>
+            <p:cNvSpPr txBox="1"/>
+            <p:nvPr/>
+          </p:nvSpPr>
+          <p:spPr>
+            <a:xfrm>
+              <a:off x="3840418" y="4839707"/>
+              <a:ext cx="575479" cy="200055"/>
+            </a:xfrm>
+            <a:prstGeom prst="rect">
+              <a:avLst/>
+            </a:prstGeom>
+            <a:noFill/>
+          </p:spPr>
+          <p:txBody>
+            <a:bodyPr wrap="none" lIns="0" tIns="0" rIns="0" bIns="0" rtlCol="0">
+              <a:spAutoFit/>
+            </a:bodyPr>
+            <a:lstStyle/>
+            <a:p>
+              <a:r>
+                <a:rPr lang="en-US" altLang="ko-KR" sz="1300" dirty="0" smtClean="0">
+                  <a:latin typeface="Times New Roman" panose="02020603050405020304" pitchFamily="18" charset="0"/>
+                  <a:cs typeface="Times New Roman" panose="02020603050405020304" pitchFamily="18" charset="0"/>
+                </a:rPr>
+                <a:t>40-%tile</a:t>
+              </a:r>
+              <a:endParaRPr lang="ko-KR" altLang="en-US" sz="1300" dirty="0">
+                <a:latin typeface="Times New Roman" panose="02020603050405020304" pitchFamily="18" charset="0"/>
+                <a:cs typeface="Times New Roman" panose="02020603050405020304" pitchFamily="18" charset="0"/>
+              </a:endParaRPr>
+            </a:p>
+          </p:txBody>
+        </p:sp>
+        <p:sp>
+          <p:nvSpPr>
+            <p:cNvPr id="24" name="TextBox 23"/>
+            <p:cNvSpPr txBox="1"/>
+            <p:nvPr/>
+          </p:nvSpPr>
+          <p:spPr>
+            <a:xfrm>
+              <a:off x="3840418" y="4648596"/>
+              <a:ext cx="575479" cy="200055"/>
+            </a:xfrm>
+            <a:prstGeom prst="rect">
+              <a:avLst/>
+            </a:prstGeom>
+            <a:noFill/>
+          </p:spPr>
+          <p:txBody>
+            <a:bodyPr wrap="none" lIns="0" tIns="0" rIns="0" bIns="0" rtlCol="0">
+              <a:spAutoFit/>
+            </a:bodyPr>
+            <a:lstStyle/>
+            <a:p>
+              <a:r>
+                <a:rPr lang="en-US" altLang="ko-KR" sz="1300" dirty="0" smtClean="0">
+                  <a:latin typeface="Times New Roman" panose="02020603050405020304" pitchFamily="18" charset="0"/>
+                  <a:cs typeface="Times New Roman" panose="02020603050405020304" pitchFamily="18" charset="0"/>
+                </a:rPr>
+                <a:t>50-%tile</a:t>
+              </a:r>
+              <a:endParaRPr lang="ko-KR" altLang="en-US" sz="1300" dirty="0">
+                <a:latin typeface="Times New Roman" panose="02020603050405020304" pitchFamily="18" charset="0"/>
+                <a:cs typeface="Times New Roman" panose="02020603050405020304" pitchFamily="18" charset="0"/>
+              </a:endParaRPr>
+            </a:p>
+          </p:txBody>
+        </p:sp>
+        <p:sp>
+          <p:nvSpPr>
+            <p:cNvPr id="25" name="TextBox 24"/>
+            <p:cNvSpPr txBox="1"/>
+            <p:nvPr/>
+          </p:nvSpPr>
+          <p:spPr>
+            <a:xfrm>
+              <a:off x="3840418" y="4457485"/>
+              <a:ext cx="575479" cy="200055"/>
+            </a:xfrm>
+            <a:prstGeom prst="rect">
+              <a:avLst/>
+            </a:prstGeom>
+            <a:noFill/>
+          </p:spPr>
+          <p:txBody>
+            <a:bodyPr wrap="none" lIns="0" tIns="0" rIns="0" bIns="0" rtlCol="0">
+              <a:spAutoFit/>
+            </a:bodyPr>
+            <a:lstStyle/>
+            <a:p>
+              <a:r>
+                <a:rPr lang="en-US" altLang="ko-KR" sz="1300" dirty="0" smtClean="0">
+                  <a:latin typeface="Times New Roman" panose="02020603050405020304" pitchFamily="18" charset="0"/>
+                  <a:cs typeface="Times New Roman" panose="02020603050405020304" pitchFamily="18" charset="0"/>
+                </a:rPr>
+                <a:t>60-%tile</a:t>
+              </a:r>
+              <a:endParaRPr lang="ko-KR" altLang="en-US" sz="1300" dirty="0">
+                <a:latin typeface="Times New Roman" panose="02020603050405020304" pitchFamily="18" charset="0"/>
+                <a:cs typeface="Times New Roman" panose="02020603050405020304" pitchFamily="18" charset="0"/>
+              </a:endParaRPr>
+            </a:p>
+          </p:txBody>
+        </p:sp>
+        <p:sp>
+          <p:nvSpPr>
+            <p:cNvPr id="26" name="TextBox 25"/>
+            <p:cNvSpPr txBox="1"/>
+            <p:nvPr/>
+          </p:nvSpPr>
+          <p:spPr>
+            <a:xfrm>
+              <a:off x="3840418" y="5030819"/>
+              <a:ext cx="575479" cy="200055"/>
+            </a:xfrm>
+            <a:prstGeom prst="rect">
+              <a:avLst/>
+            </a:prstGeom>
+            <a:noFill/>
+          </p:spPr>
+          <p:txBody>
+            <a:bodyPr wrap="none" lIns="0" tIns="0" rIns="0" bIns="0" rtlCol="0">
+              <a:spAutoFit/>
+            </a:bodyPr>
+            <a:lstStyle/>
+            <a:p>
+              <a:r>
+                <a:rPr lang="en-US" altLang="ko-KR" sz="1300" dirty="0" smtClean="0">
+                  <a:latin typeface="Times New Roman" panose="02020603050405020304" pitchFamily="18" charset="0"/>
+                  <a:cs typeface="Times New Roman" panose="02020603050405020304" pitchFamily="18" charset="0"/>
+                </a:rPr>
+                <a:t>25-%tile</a:t>
+              </a:r>
+              <a:endParaRPr lang="ko-KR" altLang="en-US" sz="1300" dirty="0">
+                <a:latin typeface="Times New Roman" panose="02020603050405020304" pitchFamily="18" charset="0"/>
+                <a:cs typeface="Times New Roman" panose="02020603050405020304" pitchFamily="18" charset="0"/>
+              </a:endParaRPr>
+            </a:p>
+          </p:txBody>
+        </p:sp>
+        <p:sp>
+          <p:nvSpPr>
+            <p:cNvPr id="27" name="TextBox 26"/>
+            <p:cNvSpPr txBox="1"/>
+            <p:nvPr/>
+          </p:nvSpPr>
+          <p:spPr>
+            <a:xfrm>
+              <a:off x="3840418" y="4266374"/>
+              <a:ext cx="575479" cy="200055"/>
+            </a:xfrm>
+            <a:prstGeom prst="rect">
+              <a:avLst/>
+            </a:prstGeom>
+            <a:noFill/>
+          </p:spPr>
+          <p:txBody>
+            <a:bodyPr wrap="none" lIns="0" tIns="0" rIns="0" bIns="0" rtlCol="0">
+              <a:spAutoFit/>
+            </a:bodyPr>
+            <a:lstStyle/>
+            <a:p>
+              <a:r>
+                <a:rPr lang="en-US" altLang="ko-KR" sz="1300" dirty="0" smtClean="0">
+                  <a:latin typeface="Times New Roman" panose="02020603050405020304" pitchFamily="18" charset="0"/>
+                  <a:cs typeface="Times New Roman" panose="02020603050405020304" pitchFamily="18" charset="0"/>
+                </a:rPr>
+                <a:t>75-%tile</a:t>
+              </a:r>
+              <a:endParaRPr lang="ko-KR" altLang="en-US" sz="1300" dirty="0">
+                <a:latin typeface="Times New Roman" panose="02020603050405020304" pitchFamily="18" charset="0"/>
+                <a:cs typeface="Times New Roman" panose="02020603050405020304" pitchFamily="18" charset="0"/>
+              </a:endParaRPr>
+            </a:p>
+          </p:txBody>
+        </p:sp>
+        <p:cxnSp>
+          <p:nvCxnSpPr>
+            <p:cNvPr id="17" name="직선 연결선 16"/>
+            <p:cNvCxnSpPr/>
+            <p:nvPr/>
+          </p:nvCxnSpPr>
+          <p:spPr>
+            <a:xfrm>
+              <a:off x="3640392" y="4574516"/>
+              <a:ext cx="141092" cy="0"/>
+            </a:xfrm>
+            <a:prstGeom prst="line">
+              <a:avLst/>
+            </a:prstGeom>
+            <a:ln w="9525">
+              <a:solidFill>
+                <a:schemeClr val="tx1"/>
+              </a:solidFill>
+            </a:ln>
+          </p:spPr>
+          <p:style>
+            <a:lnRef idx="1">
+              <a:schemeClr val="accent1"/>
+            </a:lnRef>
+            <a:fillRef idx="0">
+              <a:schemeClr val="accent1"/>
+            </a:fillRef>
+            <a:effectRef idx="0">
+              <a:schemeClr val="accent1"/>
+            </a:effectRef>
+            <a:fontRef idx="minor">
+              <a:schemeClr val="tx1"/>
+            </a:fontRef>
+          </p:style>
+        </p:cxnSp>
+        <p:cxnSp>
+          <p:nvCxnSpPr>
+            <p:cNvPr id="31" name="직선 연결선 30"/>
+            <p:cNvCxnSpPr/>
+            <p:nvPr/>
+          </p:nvCxnSpPr>
+          <p:spPr>
+            <a:xfrm>
+              <a:off x="3640392" y="4757538"/>
+              <a:ext cx="141092" cy="0"/>
+            </a:xfrm>
+            <a:prstGeom prst="line">
+              <a:avLst/>
+            </a:prstGeom>
+            <a:ln w="9525">
+              <a:solidFill>
+                <a:schemeClr val="tx1"/>
+              </a:solidFill>
+            </a:ln>
+          </p:spPr>
+          <p:style>
+            <a:lnRef idx="1">
+              <a:schemeClr val="accent1"/>
+            </a:lnRef>
+            <a:fillRef idx="0">
+              <a:schemeClr val="accent1"/>
+            </a:fillRef>
+            <a:effectRef idx="0">
+              <a:schemeClr val="accent1"/>
+            </a:effectRef>
+            <a:fontRef idx="minor">
+              <a:schemeClr val="tx1"/>
+            </a:fontRef>
+          </p:style>
+        </p:cxnSp>
+        <p:cxnSp>
+          <p:nvCxnSpPr>
+            <p:cNvPr id="32" name="직선 연결선 31"/>
+            <p:cNvCxnSpPr/>
+            <p:nvPr/>
+          </p:nvCxnSpPr>
+          <p:spPr>
+            <a:xfrm>
+              <a:off x="3646046" y="4953649"/>
+              <a:ext cx="141092" cy="0"/>
+            </a:xfrm>
+            <a:prstGeom prst="line">
+              <a:avLst/>
+            </a:prstGeom>
+            <a:ln w="9525">
+              <a:solidFill>
+                <a:schemeClr val="tx1"/>
+              </a:solidFill>
+            </a:ln>
+          </p:spPr>
+          <p:style>
+            <a:lnRef idx="1">
+              <a:schemeClr val="accent1"/>
+            </a:lnRef>
+            <a:fillRef idx="0">
+              <a:schemeClr val="accent1"/>
+            </a:fillRef>
+            <a:effectRef idx="0">
+              <a:schemeClr val="accent1"/>
+            </a:effectRef>
+            <a:fontRef idx="minor">
+              <a:schemeClr val="tx1"/>
+            </a:fontRef>
+          </p:style>
+        </p:cxnSp>
+        <p:cxnSp>
+          <p:nvCxnSpPr>
+            <p:cNvPr id="34" name="직선 연결선 33"/>
+            <p:cNvCxnSpPr/>
+            <p:nvPr/>
+          </p:nvCxnSpPr>
+          <p:spPr>
+            <a:xfrm>
+              <a:off x="3640392" y="5155276"/>
+              <a:ext cx="141092" cy="0"/>
+            </a:xfrm>
+            <a:prstGeom prst="line">
+              <a:avLst/>
+            </a:prstGeom>
+            <a:ln w="9525">
+              <a:solidFill>
+                <a:schemeClr val="tx1"/>
+              </a:solidFill>
+            </a:ln>
+          </p:spPr>
+          <p:style>
+            <a:lnRef idx="1">
+              <a:schemeClr val="accent1"/>
+            </a:lnRef>
+            <a:fillRef idx="0">
+              <a:schemeClr val="accent1"/>
+            </a:fillRef>
+            <a:effectRef idx="0">
+              <a:schemeClr val="accent1"/>
+            </a:effectRef>
+            <a:fontRef idx="minor">
+              <a:schemeClr val="tx1"/>
+            </a:fontRef>
+          </p:style>
+        </p:cxnSp>
+        <p:cxnSp>
+          <p:nvCxnSpPr>
+            <p:cNvPr id="35" name="직선 연결선 34"/>
+            <p:cNvCxnSpPr/>
+            <p:nvPr/>
+          </p:nvCxnSpPr>
+          <p:spPr>
+            <a:xfrm flipH="1">
+              <a:off x="3444493" y="5155276"/>
+              <a:ext cx="149225" cy="0"/>
+            </a:xfrm>
+            <a:prstGeom prst="line">
+              <a:avLst/>
+            </a:prstGeom>
+            <a:ln w="9525">
+              <a:solidFill>
+                <a:schemeClr val="bg1">
+                  <a:lumMod val="50000"/>
+                </a:schemeClr>
+              </a:solidFill>
+            </a:ln>
+          </p:spPr>
+          <p:style>
+            <a:lnRef idx="1">
+              <a:schemeClr val="accent1"/>
+            </a:lnRef>
+            <a:fillRef idx="0">
+              <a:schemeClr val="accent1"/>
+            </a:fillRef>
+            <a:effectRef idx="0">
+              <a:schemeClr val="accent1"/>
+            </a:effectRef>
+            <a:fontRef idx="minor">
+              <a:schemeClr val="tx1"/>
+            </a:fontRef>
+          </p:style>
+        </p:cxnSp>
+        <p:cxnSp>
+          <p:nvCxnSpPr>
+            <p:cNvPr id="38" name="직선 연결선 37"/>
+            <p:cNvCxnSpPr/>
+            <p:nvPr/>
+          </p:nvCxnSpPr>
+          <p:spPr>
+            <a:xfrm flipH="1">
+              <a:off x="3436115" y="4384533"/>
+              <a:ext cx="149225" cy="0"/>
+            </a:xfrm>
+            <a:prstGeom prst="line">
+              <a:avLst/>
+            </a:prstGeom>
+            <a:ln w="9525">
+              <a:solidFill>
+                <a:schemeClr val="bg1">
+                  <a:lumMod val="50000"/>
+                </a:schemeClr>
+              </a:solidFill>
+            </a:ln>
+          </p:spPr>
+          <p:style>
+            <a:lnRef idx="1">
+              <a:schemeClr val="accent1"/>
+            </a:lnRef>
+            <a:fillRef idx="0">
+              <a:schemeClr val="accent1"/>
+            </a:fillRef>
+            <a:effectRef idx="0">
+              <a:schemeClr val="accent1"/>
+            </a:effectRef>
+            <a:fontRef idx="minor">
+              <a:schemeClr val="tx1"/>
+            </a:fontRef>
+          </p:style>
+        </p:cxnSp>
+        <p:cxnSp>
+          <p:nvCxnSpPr>
+            <p:cNvPr id="39" name="직선 연결선 38"/>
+            <p:cNvCxnSpPr/>
+            <p:nvPr/>
+          </p:nvCxnSpPr>
+          <p:spPr>
+            <a:xfrm>
+              <a:off x="3626996" y="4384533"/>
+              <a:ext cx="141092" cy="0"/>
+            </a:xfrm>
+            <a:prstGeom prst="line">
+              <a:avLst/>
+            </a:prstGeom>
+            <a:ln w="9525">
+              <a:solidFill>
+                <a:schemeClr val="tx1"/>
+              </a:solidFill>
+            </a:ln>
+          </p:spPr>
+          <p:style>
+            <a:lnRef idx="1">
+              <a:schemeClr val="accent1"/>
+            </a:lnRef>
+            <a:fillRef idx="0">
+              <a:schemeClr val="accent1"/>
+            </a:fillRef>
+            <a:effectRef idx="0">
+              <a:schemeClr val="accent1"/>
+            </a:effectRef>
+            <a:fontRef idx="minor">
+              <a:schemeClr val="tx1"/>
+            </a:fontRef>
+          </p:style>
+        </p:cxnSp>
+      </p:grpSp>
     </p:spTree>
     <p:extLst>
       <p:ext uri="{BB962C8B-B14F-4D97-AF65-F5344CB8AC3E}">

--- a/figure/figs_for_exp.pptx
+++ b/figure/figs_for_exp.pptx
@@ -12761,7 +12761,6 @@
               </a:p>
             </c:rich>
           </c:tx>
-          <c:layout/>
           <c:overlay val="0"/>
           <c:spPr>
             <a:noFill/>
@@ -13317,7 +13316,6 @@
               </a:p>
             </c:rich>
           </c:tx>
-          <c:layout/>
           <c:overlay val="0"/>
           <c:spPr>
             <a:noFill/>
@@ -33417,10 +33415,10 @@
         </p:nvGrpSpPr>
         <p:grpSpPr>
           <a:xfrm>
-            <a:off x="4599301" y="761174"/>
-            <a:ext cx="1073896" cy="964500"/>
-            <a:chOff x="3342001" y="4266374"/>
-            <a:chExt cx="1073896" cy="964500"/>
+            <a:off x="4599301" y="784034"/>
+            <a:ext cx="1299918" cy="933722"/>
+            <a:chOff x="3342001" y="4289234"/>
+            <a:chExt cx="1299918" cy="933722"/>
           </a:xfrm>
         </p:grpSpPr>
         <p:cxnSp>
@@ -33568,8 +33566,8 @@
           </p:nvSpPr>
           <p:spPr>
             <a:xfrm>
-              <a:off x="3840418" y="4839707"/>
-              <a:ext cx="575479" cy="200055"/>
+              <a:off x="3840418" y="4862567"/>
+              <a:ext cx="801501" cy="169277"/>
             </a:xfrm>
             <a:prstGeom prst="rect">
               <a:avLst/>
@@ -33583,13 +33581,27 @@
             <a:lstStyle/>
             <a:p>
               <a:r>
-                <a:rPr lang="en-US" altLang="ko-KR" sz="1300" dirty="0" smtClean="0">
+                <a:rPr lang="en-US" altLang="ko-KR" sz="1100" dirty="0" smtClean="0">
                   <a:latin typeface="Times New Roman" panose="02020603050405020304" pitchFamily="18" charset="0"/>
                   <a:cs typeface="Times New Roman" panose="02020603050405020304" pitchFamily="18" charset="0"/>
                 </a:rPr>
-                <a:t>40-%tile</a:t>
+                <a:t>40</a:t>
               </a:r>
-              <a:endParaRPr lang="ko-KR" altLang="en-US" sz="1300" dirty="0">
+              <a:r>
+                <a:rPr lang="en-US" altLang="ko-KR" sz="1100" baseline="30000" dirty="0" smtClean="0">
+                  <a:latin typeface="Times New Roman" panose="02020603050405020304" pitchFamily="18" charset="0"/>
+                  <a:cs typeface="Times New Roman" panose="02020603050405020304" pitchFamily="18" charset="0"/>
+                </a:rPr>
+                <a:t>th</a:t>
+              </a:r>
+              <a:r>
+                <a:rPr lang="en-US" altLang="ko-KR" sz="1100" dirty="0" smtClean="0">
+                  <a:latin typeface="Times New Roman" panose="02020603050405020304" pitchFamily="18" charset="0"/>
+                  <a:cs typeface="Times New Roman" panose="02020603050405020304" pitchFamily="18" charset="0"/>
+                </a:rPr>
+                <a:t> percentile</a:t>
+              </a:r>
+              <a:endParaRPr lang="ko-KR" altLang="en-US" sz="1100" dirty="0">
                 <a:latin typeface="Times New Roman" panose="02020603050405020304" pitchFamily="18" charset="0"/>
                 <a:cs typeface="Times New Roman" panose="02020603050405020304" pitchFamily="18" charset="0"/>
               </a:endParaRPr>
@@ -33604,8 +33616,8 @@
           </p:nvSpPr>
           <p:spPr>
             <a:xfrm>
-              <a:off x="3840418" y="4648596"/>
-              <a:ext cx="575479" cy="200055"/>
+              <a:off x="3840418" y="4671456"/>
+              <a:ext cx="801501" cy="169277"/>
             </a:xfrm>
             <a:prstGeom prst="rect">
               <a:avLst/>
@@ -33619,13 +33631,27 @@
             <a:lstStyle/>
             <a:p>
               <a:r>
-                <a:rPr lang="en-US" altLang="ko-KR" sz="1300" dirty="0" smtClean="0">
+                <a:rPr lang="en-US" altLang="ko-KR" sz="1100" dirty="0" smtClean="0">
                   <a:latin typeface="Times New Roman" panose="02020603050405020304" pitchFamily="18" charset="0"/>
                   <a:cs typeface="Times New Roman" panose="02020603050405020304" pitchFamily="18" charset="0"/>
                 </a:rPr>
-                <a:t>50-%tile</a:t>
+                <a:t>50</a:t>
               </a:r>
-              <a:endParaRPr lang="ko-KR" altLang="en-US" sz="1300" dirty="0">
+              <a:r>
+                <a:rPr lang="en-US" altLang="ko-KR" sz="1100" baseline="30000" dirty="0" smtClean="0">
+                  <a:latin typeface="Times New Roman" panose="02020603050405020304" pitchFamily="18" charset="0"/>
+                  <a:cs typeface="Times New Roman" panose="02020603050405020304" pitchFamily="18" charset="0"/>
+                </a:rPr>
+                <a:t>th</a:t>
+              </a:r>
+              <a:r>
+                <a:rPr lang="en-US" altLang="ko-KR" sz="1100" dirty="0" smtClean="0">
+                  <a:latin typeface="Times New Roman" panose="02020603050405020304" pitchFamily="18" charset="0"/>
+                  <a:cs typeface="Times New Roman" panose="02020603050405020304" pitchFamily="18" charset="0"/>
+                </a:rPr>
+                <a:t> percentile</a:t>
+              </a:r>
+              <a:endParaRPr lang="ko-KR" altLang="en-US" sz="1100" dirty="0">
                 <a:latin typeface="Times New Roman" panose="02020603050405020304" pitchFamily="18" charset="0"/>
                 <a:cs typeface="Times New Roman" panose="02020603050405020304" pitchFamily="18" charset="0"/>
               </a:endParaRPr>
@@ -33640,8 +33666,8 @@
           </p:nvSpPr>
           <p:spPr>
             <a:xfrm>
-              <a:off x="3840418" y="4457485"/>
-              <a:ext cx="575479" cy="200055"/>
+              <a:off x="3840418" y="4480345"/>
+              <a:ext cx="801501" cy="169277"/>
             </a:xfrm>
             <a:prstGeom prst="rect">
               <a:avLst/>
@@ -33655,13 +33681,27 @@
             <a:lstStyle/>
             <a:p>
               <a:r>
-                <a:rPr lang="en-US" altLang="ko-KR" sz="1300" dirty="0" smtClean="0">
+                <a:rPr lang="en-US" altLang="ko-KR" sz="1100" dirty="0" smtClean="0">
                   <a:latin typeface="Times New Roman" panose="02020603050405020304" pitchFamily="18" charset="0"/>
                   <a:cs typeface="Times New Roman" panose="02020603050405020304" pitchFamily="18" charset="0"/>
                 </a:rPr>
-                <a:t>60-%tile</a:t>
+                <a:t>60</a:t>
               </a:r>
-              <a:endParaRPr lang="ko-KR" altLang="en-US" sz="1300" dirty="0">
+              <a:r>
+                <a:rPr lang="en-US" altLang="ko-KR" sz="1100" baseline="30000" dirty="0" smtClean="0">
+                  <a:latin typeface="Times New Roman" panose="02020603050405020304" pitchFamily="18" charset="0"/>
+                  <a:cs typeface="Times New Roman" panose="02020603050405020304" pitchFamily="18" charset="0"/>
+                </a:rPr>
+                <a:t>th</a:t>
+              </a:r>
+              <a:r>
+                <a:rPr lang="en-US" altLang="ko-KR" sz="1100" dirty="0" smtClean="0">
+                  <a:latin typeface="Times New Roman" panose="02020603050405020304" pitchFamily="18" charset="0"/>
+                  <a:cs typeface="Times New Roman" panose="02020603050405020304" pitchFamily="18" charset="0"/>
+                </a:rPr>
+                <a:t> percentile</a:t>
+              </a:r>
+              <a:endParaRPr lang="ko-KR" altLang="en-US" sz="1100" dirty="0">
                 <a:latin typeface="Times New Roman" panose="02020603050405020304" pitchFamily="18" charset="0"/>
                 <a:cs typeface="Times New Roman" panose="02020603050405020304" pitchFamily="18" charset="0"/>
               </a:endParaRPr>
@@ -33676,8 +33716,8 @@
           </p:nvSpPr>
           <p:spPr>
             <a:xfrm>
-              <a:off x="3840418" y="5030819"/>
-              <a:ext cx="575479" cy="200055"/>
+              <a:off x="3840418" y="5053679"/>
+              <a:ext cx="801501" cy="169277"/>
             </a:xfrm>
             <a:prstGeom prst="rect">
               <a:avLst/>
@@ -33691,13 +33731,27 @@
             <a:lstStyle/>
             <a:p>
               <a:r>
-                <a:rPr lang="en-US" altLang="ko-KR" sz="1300" dirty="0" smtClean="0">
+                <a:rPr lang="en-US" altLang="ko-KR" sz="1100" dirty="0" smtClean="0">
                   <a:latin typeface="Times New Roman" panose="02020603050405020304" pitchFamily="18" charset="0"/>
                   <a:cs typeface="Times New Roman" panose="02020603050405020304" pitchFamily="18" charset="0"/>
                 </a:rPr>
-                <a:t>25-%tile</a:t>
+                <a:t>25</a:t>
               </a:r>
-              <a:endParaRPr lang="ko-KR" altLang="en-US" sz="1300" dirty="0">
+              <a:r>
+                <a:rPr lang="en-US" altLang="ko-KR" sz="1100" baseline="30000" dirty="0" smtClean="0">
+                  <a:latin typeface="Times New Roman" panose="02020603050405020304" pitchFamily="18" charset="0"/>
+                  <a:cs typeface="Times New Roman" panose="02020603050405020304" pitchFamily="18" charset="0"/>
+                </a:rPr>
+                <a:t>th</a:t>
+              </a:r>
+              <a:r>
+                <a:rPr lang="en-US" altLang="ko-KR" sz="1100" dirty="0" smtClean="0">
+                  <a:latin typeface="Times New Roman" panose="02020603050405020304" pitchFamily="18" charset="0"/>
+                  <a:cs typeface="Times New Roman" panose="02020603050405020304" pitchFamily="18" charset="0"/>
+                </a:rPr>
+                <a:t> percentile</a:t>
+              </a:r>
+              <a:endParaRPr lang="ko-KR" altLang="en-US" sz="1100" dirty="0">
                 <a:latin typeface="Times New Roman" panose="02020603050405020304" pitchFamily="18" charset="0"/>
                 <a:cs typeface="Times New Roman" panose="02020603050405020304" pitchFamily="18" charset="0"/>
               </a:endParaRPr>
@@ -33712,8 +33766,8 @@
           </p:nvSpPr>
           <p:spPr>
             <a:xfrm>
-              <a:off x="3840418" y="4266374"/>
-              <a:ext cx="575479" cy="200055"/>
+              <a:off x="3840418" y="4289234"/>
+              <a:ext cx="801501" cy="169277"/>
             </a:xfrm>
             <a:prstGeom prst="rect">
               <a:avLst/>
@@ -33727,13 +33781,34 @@
             <a:lstStyle/>
             <a:p>
               <a:r>
-                <a:rPr lang="en-US" altLang="ko-KR" sz="1300" dirty="0" smtClean="0">
+                <a:rPr lang="en-US" altLang="ko-KR" sz="1100" dirty="0" smtClean="0">
                   <a:latin typeface="Times New Roman" panose="02020603050405020304" pitchFamily="18" charset="0"/>
                   <a:cs typeface="Times New Roman" panose="02020603050405020304" pitchFamily="18" charset="0"/>
                 </a:rPr>
-                <a:t>75-%tile</a:t>
+                <a:t>75</a:t>
               </a:r>
-              <a:endParaRPr lang="ko-KR" altLang="en-US" sz="1300" dirty="0">
+              <a:r>
+                <a:rPr lang="en-US" altLang="ko-KR" sz="1100" baseline="30000" dirty="0" smtClean="0">
+                  <a:latin typeface="Times New Roman" panose="02020603050405020304" pitchFamily="18" charset="0"/>
+                  <a:cs typeface="Times New Roman" panose="02020603050405020304" pitchFamily="18" charset="0"/>
+                </a:rPr>
+                <a:t>th</a:t>
+              </a:r>
+              <a:r>
+                <a:rPr lang="en-US" altLang="ko-KR" sz="1100" dirty="0" smtClean="0">
+                  <a:latin typeface="Times New Roman" panose="02020603050405020304" pitchFamily="18" charset="0"/>
+                  <a:cs typeface="Times New Roman" panose="02020603050405020304" pitchFamily="18" charset="0"/>
+                </a:rPr>
+                <a:t> </a:t>
+              </a:r>
+              <a:r>
+                <a:rPr lang="en-US" altLang="ko-KR" sz="1100" dirty="0" smtClean="0">
+                  <a:latin typeface="Times New Roman" panose="02020603050405020304" pitchFamily="18" charset="0"/>
+                  <a:cs typeface="Times New Roman" panose="02020603050405020304" pitchFamily="18" charset="0"/>
+                </a:rPr>
+                <a:t>percentile</a:t>
+              </a:r>
+              <a:endParaRPr lang="ko-KR" altLang="en-US" sz="1100" dirty="0">
                 <a:latin typeface="Times New Roman" panose="02020603050405020304" pitchFamily="18" charset="0"/>
                 <a:cs typeface="Times New Roman" panose="02020603050405020304" pitchFamily="18" charset="0"/>
               </a:endParaRPr>
@@ -33748,7 +33823,7 @@
           </p:nvCxnSpPr>
           <p:spPr>
             <a:xfrm>
-              <a:off x="3640392" y="4574516"/>
+              <a:off x="3673726" y="4574516"/>
               <a:ext cx="141092" cy="0"/>
             </a:xfrm>
             <a:prstGeom prst="line">
@@ -33758,6 +33833,7 @@
               <a:solidFill>
                 <a:schemeClr val="tx1"/>
               </a:solidFill>
+              <a:headEnd type="arrow" w="sm" len="sm"/>
             </a:ln>
           </p:spPr>
           <p:style>
@@ -33783,7 +33859,7 @@
           </p:nvCxnSpPr>
           <p:spPr>
             <a:xfrm>
-              <a:off x="3640392" y="4757538"/>
+              <a:off x="3673726" y="4757538"/>
               <a:ext cx="141092" cy="0"/>
             </a:xfrm>
             <a:prstGeom prst="line">
@@ -33793,6 +33869,7 @@
               <a:solidFill>
                 <a:schemeClr val="tx1"/>
               </a:solidFill>
+              <a:headEnd type="arrow" w="sm" len="sm"/>
             </a:ln>
           </p:spPr>
           <p:style>
@@ -33818,7 +33895,7 @@
           </p:nvCxnSpPr>
           <p:spPr>
             <a:xfrm>
-              <a:off x="3646046" y="4953649"/>
+              <a:off x="3679380" y="4953649"/>
               <a:ext cx="141092" cy="0"/>
             </a:xfrm>
             <a:prstGeom prst="line">
@@ -33828,6 +33905,7 @@
               <a:solidFill>
                 <a:schemeClr val="tx1"/>
               </a:solidFill>
+              <a:headEnd type="arrow" w="sm" len="sm"/>
             </a:ln>
           </p:spPr>
           <p:style>
@@ -33853,7 +33931,7 @@
           </p:nvCxnSpPr>
           <p:spPr>
             <a:xfrm>
-              <a:off x="3640392" y="5155276"/>
+              <a:off x="3673726" y="5155276"/>
               <a:ext cx="141092" cy="0"/>
             </a:xfrm>
             <a:prstGeom prst="line">
@@ -33863,6 +33941,7 @@
               <a:solidFill>
                 <a:schemeClr val="tx1"/>
               </a:solidFill>
+              <a:headEnd type="arrow" w="sm" len="sm"/>
             </a:ln>
           </p:spPr>
           <p:style>
@@ -33962,7 +34041,7 @@
           </p:nvCxnSpPr>
           <p:spPr>
             <a:xfrm>
-              <a:off x="3626996" y="4384533"/>
+              <a:off x="3660330" y="4384533"/>
               <a:ext cx="141092" cy="0"/>
             </a:xfrm>
             <a:prstGeom prst="line">
@@ -33972,6 +34051,7 @@
               <a:solidFill>
                 <a:schemeClr val="tx1"/>
               </a:solidFill>
+              <a:headEnd type="arrow" w="sm" len="sm"/>
             </a:ln>
           </p:spPr>
           <p:style>
